--- a/HSTR121/ppts/PunkRock.pptx
+++ b/HSTR121/ppts/PunkRock.pptx
@@ -169,10 +169,9 @@
           </a:lstStyle>
           <a:p>
             <a:r>
-              <a:rPr lang="en-US" smtClean="0"/>
+              <a:rPr lang="en-US"/>
               <a:t>Click to edit Master title style</a:t>
             </a:r>
-            <a:endParaRPr lang="en-US"/>
           </a:p>
         </p:txBody>
       </p:sp>
@@ -234,10 +233,9 @@
           </a:lstStyle>
           <a:p>
             <a:r>
-              <a:rPr lang="en-US" smtClean="0"/>
+              <a:rPr lang="en-US"/>
               <a:t>Click to edit Master subtitle style</a:t>
             </a:r>
-            <a:endParaRPr lang="en-US"/>
           </a:p>
         </p:txBody>
       </p:sp>
@@ -258,7 +256,7 @@
           <a:p>
             <a:fld id="{802CF8DB-62E5-41AE-946A-AEF6F789F692}" type="datetimeFigureOut">
               <a:rPr lang="en-US" smtClean="0"/>
-              <a:t>11/30/2016</a:t>
+              <a:t>3/15/18</a:t>
             </a:fld>
             <a:endParaRPr lang="en-US"/>
           </a:p>
@@ -352,10 +350,9 @@
           <a:lstStyle/>
           <a:p>
             <a:r>
-              <a:rPr lang="en-US" smtClean="0"/>
+              <a:rPr lang="en-US"/>
               <a:t>Click to edit Master title style</a:t>
             </a:r>
-            <a:endParaRPr lang="en-US"/>
           </a:p>
         </p:txBody>
       </p:sp>
@@ -376,38 +373,37 @@
           <a:p>
             <a:pPr lvl="0"/>
             <a:r>
-              <a:rPr lang="en-US" smtClean="0"/>
+              <a:rPr lang="en-US"/>
               <a:t>Click to edit Master text styles</a:t>
             </a:r>
           </a:p>
           <a:p>
             <a:pPr lvl="1"/>
             <a:r>
-              <a:rPr lang="en-US" smtClean="0"/>
+              <a:rPr lang="en-US"/>
               <a:t>Second level</a:t>
             </a:r>
           </a:p>
           <a:p>
             <a:pPr lvl="2"/>
             <a:r>
-              <a:rPr lang="en-US" smtClean="0"/>
+              <a:rPr lang="en-US"/>
               <a:t>Third level</a:t>
             </a:r>
           </a:p>
           <a:p>
             <a:pPr lvl="3"/>
             <a:r>
-              <a:rPr lang="en-US" smtClean="0"/>
+              <a:rPr lang="en-US"/>
               <a:t>Fourth level</a:t>
             </a:r>
           </a:p>
           <a:p>
             <a:pPr lvl="4"/>
             <a:r>
-              <a:rPr lang="en-US" smtClean="0"/>
+              <a:rPr lang="en-US"/>
               <a:t>Fifth level</a:t>
             </a:r>
-            <a:endParaRPr lang="en-US"/>
           </a:p>
         </p:txBody>
       </p:sp>
@@ -428,7 +424,7 @@
           <a:p>
             <a:fld id="{802CF8DB-62E5-41AE-946A-AEF6F789F692}" type="datetimeFigureOut">
               <a:rPr lang="en-US" smtClean="0"/>
-              <a:t>11/30/2016</a:t>
+              <a:t>3/15/18</a:t>
             </a:fld>
             <a:endParaRPr lang="en-US"/>
           </a:p>
@@ -527,10 +523,9 @@
           <a:lstStyle/>
           <a:p>
             <a:r>
-              <a:rPr lang="en-US" smtClean="0"/>
+              <a:rPr lang="en-US"/>
               <a:t>Click to edit Master title style</a:t>
             </a:r>
-            <a:endParaRPr lang="en-US"/>
           </a:p>
         </p:txBody>
       </p:sp>
@@ -556,38 +551,37 @@
           <a:p>
             <a:pPr lvl="0"/>
             <a:r>
-              <a:rPr lang="en-US" smtClean="0"/>
+              <a:rPr lang="en-US"/>
               <a:t>Click to edit Master text styles</a:t>
             </a:r>
           </a:p>
           <a:p>
             <a:pPr lvl="1"/>
             <a:r>
-              <a:rPr lang="en-US" smtClean="0"/>
+              <a:rPr lang="en-US"/>
               <a:t>Second level</a:t>
             </a:r>
           </a:p>
           <a:p>
             <a:pPr lvl="2"/>
             <a:r>
-              <a:rPr lang="en-US" smtClean="0"/>
+              <a:rPr lang="en-US"/>
               <a:t>Third level</a:t>
             </a:r>
           </a:p>
           <a:p>
             <a:pPr lvl="3"/>
             <a:r>
-              <a:rPr lang="en-US" smtClean="0"/>
+              <a:rPr lang="en-US"/>
               <a:t>Fourth level</a:t>
             </a:r>
           </a:p>
           <a:p>
             <a:pPr lvl="4"/>
             <a:r>
-              <a:rPr lang="en-US" smtClean="0"/>
+              <a:rPr lang="en-US"/>
               <a:t>Fifth level</a:t>
             </a:r>
-            <a:endParaRPr lang="en-US"/>
           </a:p>
         </p:txBody>
       </p:sp>
@@ -608,7 +602,7 @@
           <a:p>
             <a:fld id="{802CF8DB-62E5-41AE-946A-AEF6F789F692}" type="datetimeFigureOut">
               <a:rPr lang="en-US" smtClean="0"/>
-              <a:t>11/30/2016</a:t>
+              <a:t>3/15/18</a:t>
             </a:fld>
             <a:endParaRPr lang="en-US"/>
           </a:p>
@@ -702,10 +696,9 @@
           <a:lstStyle/>
           <a:p>
             <a:r>
-              <a:rPr lang="en-US" smtClean="0"/>
+              <a:rPr lang="en-US"/>
               <a:t>Click to edit Master title style</a:t>
             </a:r>
-            <a:endParaRPr lang="en-US"/>
           </a:p>
         </p:txBody>
       </p:sp>
@@ -726,38 +719,37 @@
           <a:p>
             <a:pPr lvl="0"/>
             <a:r>
-              <a:rPr lang="en-US" smtClean="0"/>
+              <a:rPr lang="en-US"/>
               <a:t>Click to edit Master text styles</a:t>
             </a:r>
           </a:p>
           <a:p>
             <a:pPr lvl="1"/>
             <a:r>
-              <a:rPr lang="en-US" smtClean="0"/>
+              <a:rPr lang="en-US"/>
               <a:t>Second level</a:t>
             </a:r>
           </a:p>
           <a:p>
             <a:pPr lvl="2"/>
             <a:r>
-              <a:rPr lang="en-US" smtClean="0"/>
+              <a:rPr lang="en-US"/>
               <a:t>Third level</a:t>
             </a:r>
           </a:p>
           <a:p>
             <a:pPr lvl="3"/>
             <a:r>
-              <a:rPr lang="en-US" smtClean="0"/>
+              <a:rPr lang="en-US"/>
               <a:t>Fourth level</a:t>
             </a:r>
           </a:p>
           <a:p>
             <a:pPr lvl="4"/>
             <a:r>
-              <a:rPr lang="en-US" smtClean="0"/>
+              <a:rPr lang="en-US"/>
               <a:t>Fifth level</a:t>
             </a:r>
-            <a:endParaRPr lang="en-US"/>
           </a:p>
         </p:txBody>
       </p:sp>
@@ -778,7 +770,7 @@
           <a:p>
             <a:fld id="{802CF8DB-62E5-41AE-946A-AEF6F789F692}" type="datetimeFigureOut">
               <a:rPr lang="en-US" smtClean="0"/>
-              <a:t>11/30/2016</a:t>
+              <a:t>3/15/18</a:t>
             </a:fld>
             <a:endParaRPr lang="en-US"/>
           </a:p>
@@ -881,10 +873,9 @@
           </a:lstStyle>
           <a:p>
             <a:r>
-              <a:rPr lang="en-US" smtClean="0"/>
+              <a:rPr lang="en-US"/>
               <a:t>Click to edit Master title style</a:t>
             </a:r>
-            <a:endParaRPr lang="en-US"/>
           </a:p>
         </p:txBody>
       </p:sp>
@@ -1001,7 +992,7 @@
           <a:p>
             <a:pPr lvl="0"/>
             <a:r>
-              <a:rPr lang="en-US" smtClean="0"/>
+              <a:rPr lang="en-US"/>
               <a:t>Click to edit Master text styles</a:t>
             </a:r>
           </a:p>
@@ -1024,7 +1015,7 @@
           <a:p>
             <a:fld id="{802CF8DB-62E5-41AE-946A-AEF6F789F692}" type="datetimeFigureOut">
               <a:rPr lang="en-US" smtClean="0"/>
-              <a:t>11/30/2016</a:t>
+              <a:t>3/15/18</a:t>
             </a:fld>
             <a:endParaRPr lang="en-US"/>
           </a:p>
@@ -1118,10 +1109,9 @@
           <a:lstStyle/>
           <a:p>
             <a:r>
-              <a:rPr lang="en-US" smtClean="0"/>
+              <a:rPr lang="en-US"/>
               <a:t>Click to edit Master title style</a:t>
             </a:r>
-            <a:endParaRPr lang="en-US"/>
           </a:p>
         </p:txBody>
       </p:sp>
@@ -1147,38 +1137,37 @@
           <a:p>
             <a:pPr lvl="0"/>
             <a:r>
-              <a:rPr lang="en-US" smtClean="0"/>
+              <a:rPr lang="en-US"/>
               <a:t>Click to edit Master text styles</a:t>
             </a:r>
           </a:p>
           <a:p>
             <a:pPr lvl="1"/>
             <a:r>
-              <a:rPr lang="en-US" smtClean="0"/>
+              <a:rPr lang="en-US"/>
               <a:t>Second level</a:t>
             </a:r>
           </a:p>
           <a:p>
             <a:pPr lvl="2"/>
             <a:r>
-              <a:rPr lang="en-US" smtClean="0"/>
+              <a:rPr lang="en-US"/>
               <a:t>Third level</a:t>
             </a:r>
           </a:p>
           <a:p>
             <a:pPr lvl="3"/>
             <a:r>
-              <a:rPr lang="en-US" smtClean="0"/>
+              <a:rPr lang="en-US"/>
               <a:t>Fourth level</a:t>
             </a:r>
           </a:p>
           <a:p>
             <a:pPr lvl="4"/>
             <a:r>
-              <a:rPr lang="en-US" smtClean="0"/>
+              <a:rPr lang="en-US"/>
               <a:t>Fifth level</a:t>
             </a:r>
-            <a:endParaRPr lang="en-US"/>
           </a:p>
         </p:txBody>
       </p:sp>
@@ -1204,38 +1193,37 @@
           <a:p>
             <a:pPr lvl="0"/>
             <a:r>
-              <a:rPr lang="en-US" smtClean="0"/>
+              <a:rPr lang="en-US"/>
               <a:t>Click to edit Master text styles</a:t>
             </a:r>
           </a:p>
           <a:p>
             <a:pPr lvl="1"/>
             <a:r>
-              <a:rPr lang="en-US" smtClean="0"/>
+              <a:rPr lang="en-US"/>
               <a:t>Second level</a:t>
             </a:r>
           </a:p>
           <a:p>
             <a:pPr lvl="2"/>
             <a:r>
-              <a:rPr lang="en-US" smtClean="0"/>
+              <a:rPr lang="en-US"/>
               <a:t>Third level</a:t>
             </a:r>
           </a:p>
           <a:p>
             <a:pPr lvl="3"/>
             <a:r>
-              <a:rPr lang="en-US" smtClean="0"/>
+              <a:rPr lang="en-US"/>
               <a:t>Fourth level</a:t>
             </a:r>
           </a:p>
           <a:p>
             <a:pPr lvl="4"/>
             <a:r>
-              <a:rPr lang="en-US" smtClean="0"/>
+              <a:rPr lang="en-US"/>
               <a:t>Fifth level</a:t>
             </a:r>
-            <a:endParaRPr lang="en-US"/>
           </a:p>
         </p:txBody>
       </p:sp>
@@ -1256,7 +1244,7 @@
           <a:p>
             <a:fld id="{802CF8DB-62E5-41AE-946A-AEF6F789F692}" type="datetimeFigureOut">
               <a:rPr lang="en-US" smtClean="0"/>
-              <a:t>11/30/2016</a:t>
+              <a:t>3/15/18</a:t>
             </a:fld>
             <a:endParaRPr lang="en-US"/>
           </a:p>
@@ -1355,10 +1343,9 @@
           <a:lstStyle/>
           <a:p>
             <a:r>
-              <a:rPr lang="en-US" smtClean="0"/>
+              <a:rPr lang="en-US"/>
               <a:t>Click to edit Master title style</a:t>
             </a:r>
-            <a:endParaRPr lang="en-US"/>
           </a:p>
         </p:txBody>
       </p:sp>
@@ -1421,7 +1408,7 @@
           <a:p>
             <a:pPr lvl="0"/>
             <a:r>
-              <a:rPr lang="en-US" smtClean="0"/>
+              <a:rPr lang="en-US"/>
               <a:t>Click to edit Master text styles</a:t>
             </a:r>
           </a:p>
@@ -1449,38 +1436,37 @@
           <a:p>
             <a:pPr lvl="0"/>
             <a:r>
-              <a:rPr lang="en-US" smtClean="0"/>
+              <a:rPr lang="en-US"/>
               <a:t>Click to edit Master text styles</a:t>
             </a:r>
           </a:p>
           <a:p>
             <a:pPr lvl="1"/>
             <a:r>
-              <a:rPr lang="en-US" smtClean="0"/>
+              <a:rPr lang="en-US"/>
               <a:t>Second level</a:t>
             </a:r>
           </a:p>
           <a:p>
             <a:pPr lvl="2"/>
             <a:r>
-              <a:rPr lang="en-US" smtClean="0"/>
+              <a:rPr lang="en-US"/>
               <a:t>Third level</a:t>
             </a:r>
           </a:p>
           <a:p>
             <a:pPr lvl="3"/>
             <a:r>
-              <a:rPr lang="en-US" smtClean="0"/>
+              <a:rPr lang="en-US"/>
               <a:t>Fourth level</a:t>
             </a:r>
           </a:p>
           <a:p>
             <a:pPr lvl="4"/>
             <a:r>
-              <a:rPr lang="en-US" smtClean="0"/>
+              <a:rPr lang="en-US"/>
               <a:t>Fifth level</a:t>
             </a:r>
-            <a:endParaRPr lang="en-US"/>
           </a:p>
         </p:txBody>
       </p:sp>
@@ -1543,7 +1529,7 @@
           <a:p>
             <a:pPr lvl="0"/>
             <a:r>
-              <a:rPr lang="en-US" smtClean="0"/>
+              <a:rPr lang="en-US"/>
               <a:t>Click to edit Master text styles</a:t>
             </a:r>
           </a:p>
@@ -1571,38 +1557,37 @@
           <a:p>
             <a:pPr lvl="0"/>
             <a:r>
-              <a:rPr lang="en-US" smtClean="0"/>
+              <a:rPr lang="en-US"/>
               <a:t>Click to edit Master text styles</a:t>
             </a:r>
           </a:p>
           <a:p>
             <a:pPr lvl="1"/>
             <a:r>
-              <a:rPr lang="en-US" smtClean="0"/>
+              <a:rPr lang="en-US"/>
               <a:t>Second level</a:t>
             </a:r>
           </a:p>
           <a:p>
             <a:pPr lvl="2"/>
             <a:r>
-              <a:rPr lang="en-US" smtClean="0"/>
+              <a:rPr lang="en-US"/>
               <a:t>Third level</a:t>
             </a:r>
           </a:p>
           <a:p>
             <a:pPr lvl="3"/>
             <a:r>
-              <a:rPr lang="en-US" smtClean="0"/>
+              <a:rPr lang="en-US"/>
               <a:t>Fourth level</a:t>
             </a:r>
           </a:p>
           <a:p>
             <a:pPr lvl="4"/>
             <a:r>
-              <a:rPr lang="en-US" smtClean="0"/>
+              <a:rPr lang="en-US"/>
               <a:t>Fifth level</a:t>
             </a:r>
-            <a:endParaRPr lang="en-US"/>
           </a:p>
         </p:txBody>
       </p:sp>
@@ -1623,7 +1608,7 @@
           <a:p>
             <a:fld id="{802CF8DB-62E5-41AE-946A-AEF6F789F692}" type="datetimeFigureOut">
               <a:rPr lang="en-US" smtClean="0"/>
-              <a:t>11/30/2016</a:t>
+              <a:t>3/15/18</a:t>
             </a:fld>
             <a:endParaRPr lang="en-US"/>
           </a:p>
@@ -1717,10 +1702,9 @@
           <a:lstStyle/>
           <a:p>
             <a:r>
-              <a:rPr lang="en-US" smtClean="0"/>
+              <a:rPr lang="en-US"/>
               <a:t>Click to edit Master title style</a:t>
             </a:r>
-            <a:endParaRPr lang="en-US"/>
           </a:p>
         </p:txBody>
       </p:sp>
@@ -1741,7 +1725,7 @@
           <a:p>
             <a:fld id="{802CF8DB-62E5-41AE-946A-AEF6F789F692}" type="datetimeFigureOut">
               <a:rPr lang="en-US" smtClean="0"/>
-              <a:t>11/30/2016</a:t>
+              <a:t>3/15/18</a:t>
             </a:fld>
             <a:endParaRPr lang="en-US"/>
           </a:p>
@@ -1836,7 +1820,7 @@
           <a:p>
             <a:fld id="{802CF8DB-62E5-41AE-946A-AEF6F789F692}" type="datetimeFigureOut">
               <a:rPr lang="en-US" smtClean="0"/>
-              <a:t>11/30/2016</a:t>
+              <a:t>3/15/18</a:t>
             </a:fld>
             <a:endParaRPr lang="en-US"/>
           </a:p>
@@ -1939,10 +1923,9 @@
           </a:lstStyle>
           <a:p>
             <a:r>
-              <a:rPr lang="en-US" smtClean="0"/>
+              <a:rPr lang="en-US"/>
               <a:t>Click to edit Master title style</a:t>
             </a:r>
-            <a:endParaRPr lang="en-US"/>
           </a:p>
         </p:txBody>
       </p:sp>
@@ -1996,38 +1979,37 @@
           <a:p>
             <a:pPr lvl="0"/>
             <a:r>
-              <a:rPr lang="en-US" smtClean="0"/>
+              <a:rPr lang="en-US"/>
               <a:t>Click to edit Master text styles</a:t>
             </a:r>
           </a:p>
           <a:p>
             <a:pPr lvl="1"/>
             <a:r>
-              <a:rPr lang="en-US" smtClean="0"/>
+              <a:rPr lang="en-US"/>
               <a:t>Second level</a:t>
             </a:r>
           </a:p>
           <a:p>
             <a:pPr lvl="2"/>
             <a:r>
-              <a:rPr lang="en-US" smtClean="0"/>
+              <a:rPr lang="en-US"/>
               <a:t>Third level</a:t>
             </a:r>
           </a:p>
           <a:p>
             <a:pPr lvl="3"/>
             <a:r>
-              <a:rPr lang="en-US" smtClean="0"/>
+              <a:rPr lang="en-US"/>
               <a:t>Fourth level</a:t>
             </a:r>
           </a:p>
           <a:p>
             <a:pPr lvl="4"/>
             <a:r>
-              <a:rPr lang="en-US" smtClean="0"/>
+              <a:rPr lang="en-US"/>
               <a:t>Fifth level</a:t>
             </a:r>
-            <a:endParaRPr lang="en-US"/>
           </a:p>
         </p:txBody>
       </p:sp>
@@ -2090,7 +2072,7 @@
           <a:p>
             <a:pPr lvl="0"/>
             <a:r>
-              <a:rPr lang="en-US" smtClean="0"/>
+              <a:rPr lang="en-US"/>
               <a:t>Click to edit Master text styles</a:t>
             </a:r>
           </a:p>
@@ -2113,7 +2095,7 @@
           <a:p>
             <a:fld id="{802CF8DB-62E5-41AE-946A-AEF6F789F692}" type="datetimeFigureOut">
               <a:rPr lang="en-US" smtClean="0"/>
-              <a:t>11/30/2016</a:t>
+              <a:t>3/15/18</a:t>
             </a:fld>
             <a:endParaRPr lang="en-US"/>
           </a:p>
@@ -2216,10 +2198,9 @@
           </a:lstStyle>
           <a:p>
             <a:r>
-              <a:rPr lang="en-US" smtClean="0"/>
+              <a:rPr lang="en-US"/>
               <a:t>Click to edit Master title style</a:t>
             </a:r>
-            <a:endParaRPr lang="en-US"/>
           </a:p>
         </p:txBody>
       </p:sp>
@@ -2343,7 +2324,7 @@
           <a:p>
             <a:pPr lvl="0"/>
             <a:r>
-              <a:rPr lang="en-US" smtClean="0"/>
+              <a:rPr lang="en-US"/>
               <a:t>Click to edit Master text styles</a:t>
             </a:r>
           </a:p>
@@ -2366,7 +2347,7 @@
           <a:p>
             <a:fld id="{802CF8DB-62E5-41AE-946A-AEF6F789F692}" type="datetimeFigureOut">
               <a:rPr lang="en-US" smtClean="0"/>
-              <a:t>11/30/2016</a:t>
+              <a:t>3/15/18</a:t>
             </a:fld>
             <a:endParaRPr lang="en-US"/>
           </a:p>
@@ -2485,10 +2466,9 @@
           <a:lstStyle/>
           <a:p>
             <a:r>
-              <a:rPr lang="en-US" smtClean="0"/>
+              <a:rPr lang="en-US"/>
               <a:t>Click to edit Master title style</a:t>
             </a:r>
-            <a:endParaRPr lang="en-US"/>
           </a:p>
         </p:txBody>
       </p:sp>
@@ -2519,38 +2499,37 @@
           <a:p>
             <a:pPr lvl="0"/>
             <a:r>
-              <a:rPr lang="en-US" smtClean="0"/>
+              <a:rPr lang="en-US"/>
               <a:t>Click to edit Master text styles</a:t>
             </a:r>
           </a:p>
           <a:p>
             <a:pPr lvl="1"/>
             <a:r>
-              <a:rPr lang="en-US" smtClean="0"/>
+              <a:rPr lang="en-US"/>
               <a:t>Second level</a:t>
             </a:r>
           </a:p>
           <a:p>
             <a:pPr lvl="2"/>
             <a:r>
-              <a:rPr lang="en-US" smtClean="0"/>
+              <a:rPr lang="en-US"/>
               <a:t>Third level</a:t>
             </a:r>
           </a:p>
           <a:p>
             <a:pPr lvl="3"/>
             <a:r>
-              <a:rPr lang="en-US" smtClean="0"/>
+              <a:rPr lang="en-US"/>
               <a:t>Fourth level</a:t>
             </a:r>
           </a:p>
           <a:p>
             <a:pPr lvl="4"/>
             <a:r>
-              <a:rPr lang="en-US" smtClean="0"/>
+              <a:rPr lang="en-US"/>
               <a:t>Fifth level</a:t>
             </a:r>
-            <a:endParaRPr lang="en-US"/>
           </a:p>
         </p:txBody>
       </p:sp>
@@ -2589,7 +2568,7 @@
           <a:p>
             <a:fld id="{802CF8DB-62E5-41AE-946A-AEF6F789F692}" type="datetimeFigureOut">
               <a:rPr lang="en-US" smtClean="0"/>
-              <a:t>11/30/2016</a:t>
+              <a:t>3/15/18</a:t>
             </a:fld>
             <a:endParaRPr lang="en-US"/>
           </a:p>
@@ -3012,14 +2991,11 @@
           <a:lstStyle/>
           <a:p>
             <a:r>
-              <a:rPr lang="en-US" sz="9600" i="1" dirty="0" smtClean="0">
+              <a:rPr lang="en-US" sz="9600" i="1" dirty="0">
                 <a:latin typeface="Broadway" panose="04040905080B02020502" pitchFamily="82" charset="0"/>
               </a:rPr>
               <a:t>Punk Rock</a:t>
             </a:r>
-            <a:endParaRPr lang="en-US" sz="9600" i="1" dirty="0">
-              <a:latin typeface="Broadway" panose="04040905080B02020502" pitchFamily="82" charset="0"/>
-            </a:endParaRPr>
           </a:p>
         </p:txBody>
       </p:sp>
@@ -3041,16 +3017,12 @@
           <a:lstStyle/>
           <a:p>
             <a:r>
-              <a:rPr lang="en-US" sz="4400" dirty="0" smtClean="0">
+              <a:rPr lang="en-US" sz="4400" dirty="0">
                 <a:latin typeface="Broadway" panose="04040905080B02020502" pitchFamily="82" charset="0"/>
                 <a:cs typeface="Aharoni" panose="02010803020104030203" pitchFamily="2" charset="-79"/>
               </a:rPr>
               <a:t>Rage and Message</a:t>
             </a:r>
-            <a:endParaRPr lang="en-US" sz="4400" dirty="0">
-              <a:latin typeface="Broadway" panose="04040905080B02020502" pitchFamily="82" charset="0"/>
-              <a:cs typeface="Aharoni" panose="02010803020104030203" pitchFamily="2" charset="-79"/>
-            </a:endParaRPr>
           </a:p>
         </p:txBody>
       </p:sp>
@@ -3064,13 +3036,6 @@
   <p:clrMapOvr>
     <a:masterClrMapping/>
   </p:clrMapOvr>
-  <p:timing>
-    <p:tnLst>
-      <p:par>
-        <p:cTn id="1" dur="indefinite" restart="never" nodeType="tmRoot"/>
-      </p:par>
-    </p:tnLst>
-  </p:timing>
 </p:sld>
 </file>
 
@@ -3109,16 +3074,12 @@
           <a:lstStyle/>
           <a:p>
             <a:r>
-              <a:rPr lang="en-US" sz="7200" i="1" dirty="0" smtClean="0">
+              <a:rPr lang="en-US" sz="7200" i="1" dirty="0">
                 <a:latin typeface="Aharoni" panose="02010803020104030203" pitchFamily="2" charset="-79"/>
                 <a:cs typeface="Aharoni" panose="02010803020104030203" pitchFamily="2" charset="-79"/>
               </a:rPr>
               <a:t>Sex Pistols, 1975-1978</a:t>
             </a:r>
-            <a:endParaRPr lang="en-US" sz="7200" i="1" dirty="0">
-              <a:latin typeface="Aharoni" panose="02010803020104030203" pitchFamily="2" charset="-79"/>
-              <a:cs typeface="Aharoni" panose="02010803020104030203" pitchFamily="2" charset="-79"/>
-            </a:endParaRPr>
           </a:p>
         </p:txBody>
       </p:sp>
@@ -3145,93 +3106,45 @@
           <a:lstStyle/>
           <a:p>
             <a:r>
-              <a:rPr lang="en-US" dirty="0" smtClean="0"/>
+              <a:rPr lang="en-US" dirty="0"/>
               <a:t>Malcolm Maclaren</a:t>
             </a:r>
           </a:p>
           <a:p>
             <a:r>
-              <a:rPr lang="en-US" dirty="0" smtClean="0"/>
-              <a:t>Attended </a:t>
-            </a:r>
-            <a:r>
-              <a:rPr lang="en-US" dirty="0" smtClean="0"/>
-              <a:t>various art colleges</a:t>
-            </a:r>
-          </a:p>
-          <a:p>
-            <a:r>
-              <a:rPr lang="en-US" dirty="0" smtClean="0"/>
+              <a:rPr lang="en-US" dirty="0"/>
+              <a:t>Attended various art colleges</a:t>
+            </a:r>
+          </a:p>
+          <a:p>
+            <a:r>
+              <a:rPr lang="en-US" dirty="0"/>
               <a:t>Became a revolutionary “</a:t>
             </a:r>
             <a:r>
-              <a:rPr lang="en-US" dirty="0" err="1" smtClean="0"/>
+              <a:rPr lang="en-US" dirty="0" err="1"/>
               <a:t>Situationist</a:t>
             </a:r>
             <a:r>
-              <a:rPr lang="en-US" dirty="0" smtClean="0"/>
+              <a:rPr lang="en-US" dirty="0"/>
               <a:t>” (consumption destroys real life)</a:t>
             </a:r>
           </a:p>
           <a:p>
             <a:r>
               <a:rPr lang="en-US" dirty="0"/>
-              <a:t>Owned a clothing </a:t>
-            </a:r>
-            <a:r>
-              <a:rPr lang="en-US" dirty="0" smtClean="0"/>
-              <a:t>store with </a:t>
-            </a:r>
-            <a:r>
-              <a:rPr lang="en-US" dirty="0"/>
-              <a:t> Vivienne </a:t>
-            </a:r>
-            <a:r>
-              <a:rPr lang="en-US" dirty="0" smtClean="0"/>
-              <a:t>Westwood, called “</a:t>
-            </a:r>
-            <a:r>
-              <a:rPr lang="en-US" dirty="0"/>
-              <a:t>Too Fast to Live, Too Young to </a:t>
-            </a:r>
-            <a:r>
-              <a:rPr lang="en-US" dirty="0" smtClean="0"/>
-              <a:t>Die,” later </a:t>
-            </a:r>
-            <a:r>
-              <a:rPr lang="en-US" dirty="0"/>
-              <a:t>“Sex”, in </a:t>
-            </a:r>
-            <a:r>
-              <a:rPr lang="en-US" dirty="0" smtClean="0"/>
-              <a:t>Chelsea district </a:t>
-            </a:r>
-            <a:r>
-              <a:rPr lang="en-US" dirty="0"/>
-              <a:t>of London</a:t>
-            </a:r>
-            <a:r>
-              <a:rPr lang="en-US" dirty="0" smtClean="0"/>
-              <a:t>. </a:t>
-            </a:r>
-          </a:p>
-          <a:p>
-            <a:r>
-              <a:rPr lang="en-US" dirty="0" smtClean="0"/>
-              <a:t>1975: </a:t>
-            </a:r>
-            <a:r>
-              <a:rPr lang="en-US" dirty="0" smtClean="0"/>
-              <a:t>Maclaren </a:t>
-            </a:r>
-            <a:r>
-              <a:rPr lang="en-US" dirty="0" smtClean="0"/>
-              <a:t>began to manage the New York Dolls, but they soon disbanded.</a:t>
-            </a:r>
-          </a:p>
-          <a:p>
-            <a:r>
-              <a:rPr lang="en-US" dirty="0" smtClean="0"/>
+              <a:t>Owned a clothing store with  Vivienne Westwood, called “Too Fast to Live, Too Young to Die,” later “Sex”, in Chelsea district of London. </a:t>
+            </a:r>
+          </a:p>
+          <a:p>
+            <a:r>
+              <a:rPr lang="en-US" dirty="0"/>
+              <a:t>1975: Maclaren began to manage the New York Dolls, but they soon disbanded.</a:t>
+            </a:r>
+          </a:p>
+          <a:p>
+            <a:r>
+              <a:rPr lang="en-US" dirty="0"/>
               <a:t>Encouraged formation of Sex Pistols from his store’s customers: style over content.</a:t>
             </a:r>
           </a:p>
@@ -3277,13 +3190,6 @@
   <p:clrMapOvr>
     <a:masterClrMapping/>
   </p:clrMapOvr>
-  <p:timing>
-    <p:tnLst>
-      <p:par>
-        <p:cTn id="1" dur="indefinite" restart="never" nodeType="tmRoot"/>
-      </p:par>
-    </p:tnLst>
-  </p:timing>
 </p:sld>
 </file>
 
@@ -3350,105 +3256,55 @@
           <a:lstStyle/>
           <a:p>
             <a:r>
-              <a:rPr lang="en-US" dirty="0" smtClean="0"/>
-              <a:t>Formed from the Strand: </a:t>
-            </a:r>
-            <a:r>
-              <a:rPr lang="en-US" dirty="0"/>
-              <a:t>Steve Jones (</a:t>
-            </a:r>
-            <a:r>
-              <a:rPr lang="en-US" dirty="0" smtClean="0"/>
-              <a:t>vocals, then switched to guitar),</a:t>
-            </a:r>
-            <a:r>
-              <a:rPr lang="en-US" dirty="0"/>
-              <a:t> Paul Cook (</a:t>
-            </a:r>
-            <a:r>
-              <a:rPr lang="en-US" dirty="0" smtClean="0"/>
-              <a:t>drums), </a:t>
-            </a:r>
-            <a:r>
-              <a:rPr lang="en-US" dirty="0"/>
-              <a:t>and Wally </a:t>
-            </a:r>
-            <a:r>
-              <a:rPr lang="en-US" dirty="0" smtClean="0"/>
-              <a:t>Nightingale </a:t>
-            </a:r>
-            <a:r>
-              <a:rPr lang="en-US" dirty="0"/>
-              <a:t>(</a:t>
-            </a:r>
-            <a:r>
-              <a:rPr lang="en-US" dirty="0" smtClean="0"/>
-              <a:t>guitar)</a:t>
-            </a:r>
-            <a:endParaRPr lang="en-US" dirty="0" smtClean="0"/>
-          </a:p>
-          <a:p>
-            <a:r>
-              <a:rPr lang="en-US" dirty="0" smtClean="0"/>
+              <a:rPr lang="en-US" dirty="0"/>
+              <a:t>Formed from the Strand: Steve Jones (vocals, then switched to guitar), Paul Cook (drums), and Wally Nightingale (guitar)</a:t>
+            </a:r>
+          </a:p>
+          <a:p>
+            <a:r>
+              <a:rPr lang="en-US" dirty="0"/>
               <a:t>Working class, played stolen instruments</a:t>
             </a:r>
           </a:p>
           <a:p>
             <a:r>
-              <a:rPr lang="en-US" dirty="0" smtClean="0"/>
+              <a:rPr lang="en-US" dirty="0"/>
               <a:t>Nightingale was pushed out.</a:t>
             </a:r>
           </a:p>
           <a:p>
             <a:r>
-              <a:rPr lang="en-US" dirty="0" smtClean="0"/>
+              <a:rPr lang="en-US" dirty="0"/>
               <a:t>Glen Matlock added as bass guitarist.</a:t>
             </a:r>
           </a:p>
           <a:p>
             <a:r>
-              <a:rPr lang="en-US" dirty="0" smtClean="0"/>
+              <a:rPr lang="en-US" dirty="0"/>
               <a:t>Bernie Rhodes and McLaren happened on John </a:t>
             </a:r>
             <a:r>
-              <a:rPr lang="en-US" dirty="0" err="1" smtClean="0"/>
+              <a:rPr lang="en-US" dirty="0" err="1"/>
               <a:t>Lydon</a:t>
             </a:r>
             <a:r>
-              <a:rPr lang="en-US" dirty="0" smtClean="0"/>
+              <a:rPr lang="en-US" dirty="0"/>
               <a:t>: green, short hair, anti-Pink Floyd t-shirt: “Johnny Rotten”</a:t>
             </a:r>
           </a:p>
           <a:p>
             <a:r>
-              <a:rPr lang="en-US" i="1" dirty="0" smtClean="0"/>
+              <a:rPr lang="en-US" i="1" dirty="0"/>
               <a:t>Melody Maker</a:t>
             </a:r>
             <a:r>
-              <a:rPr lang="en-US" dirty="0" smtClean="0"/>
-              <a:t> advert: </a:t>
-            </a:r>
-            <a:r>
-              <a:rPr lang="en-US" dirty="0" smtClean="0"/>
-              <a:t>“</a:t>
-            </a:r>
-            <a:r>
-              <a:rPr lang="en-US" dirty="0" smtClean="0"/>
-              <a:t>Whizz </a:t>
-            </a:r>
-            <a:r>
-              <a:rPr lang="en-US" dirty="0"/>
-              <a:t>Kid Guitarist. Not older than 20. Not worse looking than Johnny </a:t>
-            </a:r>
-            <a:r>
-              <a:rPr lang="en-US" dirty="0" smtClean="0"/>
-              <a:t>Thunders”!</a:t>
-            </a:r>
-            <a:endParaRPr lang="en-US" dirty="0" smtClean="0"/>
-          </a:p>
-          <a:p>
-            <a:r>
-              <a:rPr lang="en-US" dirty="0" smtClean="0"/>
+              <a:rPr lang="en-US" dirty="0"/>
+              <a:t> advert: “Whizz Kid Guitarist. Not older than 20. Not worse looking than Johnny Thunders”!</a:t>
+            </a:r>
+          </a:p>
+          <a:p>
+            <a:r>
+              <a:rPr lang="en-US" dirty="0"/>
               <a:t>Acquired a key fashion following group: Bromley Contingent: Billy Idol, </a:t>
             </a:r>
             <a:r>
@@ -3457,11 +3313,7 @@
             </a:r>
             <a:r>
               <a:rPr lang="en-US" dirty="0"/>
-              <a:t> </a:t>
-            </a:r>
-            <a:r>
-              <a:rPr lang="en-US" dirty="0" smtClean="0"/>
-              <a:t>Sioux.</a:t>
+              <a:t> Sioux.</a:t>
             </a:r>
           </a:p>
           <a:p>
@@ -3479,13 +3331,6 @@
   <p:clrMapOvr>
     <a:masterClrMapping/>
   </p:clrMapOvr>
-  <p:timing>
-    <p:tnLst>
-      <p:par>
-        <p:cTn id="1" dur="indefinite" restart="never" nodeType="tmRoot"/>
-      </p:par>
-    </p:tnLst>
-  </p:timing>
 </p:sld>
 </file>
 
@@ -3550,19 +3395,19 @@
           <a:lstStyle/>
           <a:p>
             <a:r>
-              <a:rPr lang="en-US" dirty="0" smtClean="0"/>
+              <a:rPr lang="en-US" dirty="0"/>
               <a:t>Started to get a lot of gigs in London, especially after the Nashville incident: 23 April 1976</a:t>
             </a:r>
           </a:p>
           <a:p>
             <a:r>
-              <a:rPr lang="en-US" dirty="0" smtClean="0"/>
+              <a:rPr lang="en-US" dirty="0"/>
               <a:t>Warmed up for The 101-ers, led by Joe Strummer. Saw Punk as the future.</a:t>
             </a:r>
           </a:p>
           <a:p>
             <a:r>
-              <a:rPr lang="en-US" dirty="0" smtClean="0"/>
+              <a:rPr lang="en-US" dirty="0"/>
               <a:t>Westwood started a fight, McLaren and Rotten soon dove in. </a:t>
             </a:r>
           </a:p>
@@ -3584,13 +3429,6 @@
   <p:clrMapOvr>
     <a:masterClrMapping/>
   </p:clrMapOvr>
-  <p:timing>
-    <p:tnLst>
-      <p:par>
-        <p:cTn id="1" dur="indefinite" restart="never" nodeType="tmRoot"/>
-      </p:par>
-    </p:tnLst>
-  </p:timing>
 </p:sld>
 </file>
 
@@ -3634,18 +3472,11 @@
           <a:lstStyle/>
           <a:p>
             <a:r>
-              <a:rPr lang="en-US" sz="4000" dirty="0" smtClean="0">
-                <a:latin typeface="Aharoni" panose="02010803020104030203" pitchFamily="2" charset="-79"/>
-                <a:cs typeface="Aharoni" panose="02010803020104030203" pitchFamily="2" charset="-79"/>
-              </a:rPr>
-              <a:t>The Nashville, 23 </a:t>
-            </a:r>
-            <a:r>
               <a:rPr lang="en-US" sz="4000" dirty="0">
                 <a:latin typeface="Aharoni" panose="02010803020104030203" pitchFamily="2" charset="-79"/>
                 <a:cs typeface="Aharoni" panose="02010803020104030203" pitchFamily="2" charset="-79"/>
               </a:rPr>
-              <a:t>April 1976: </a:t>
+              <a:t>The Nashville, 23 April 1976: </a:t>
             </a:r>
             <a:r>
               <a:rPr lang="en-US" sz="2800" dirty="0">
@@ -3653,25 +3484,10 @@
                 <a:cs typeface="Aharoni" panose="02010803020104030203" pitchFamily="2" charset="-79"/>
                 <a:hlinkClick r:id="rId2"/>
               </a:rPr>
-              <a:t>https://</a:t>
-            </a:r>
-            <a:r>
-              <a:rPr lang="en-US" sz="2800" dirty="0" smtClean="0">
-                <a:latin typeface="Aharoni" panose="02010803020104030203" pitchFamily="2" charset="-79"/>
-                <a:cs typeface="Aharoni" panose="02010803020104030203" pitchFamily="2" charset="-79"/>
-                <a:hlinkClick r:id="rId2"/>
-              </a:rPr>
-              <a:t>www.youtube.com/watch?v=DaZ0V3ukjTg</a:t>
-            </a:r>
-            <a:r>
-              <a:rPr lang="en-US" sz="2800" dirty="0" smtClean="0">
-                <a:latin typeface="Aharoni" panose="02010803020104030203" pitchFamily="2" charset="-79"/>
-                <a:cs typeface="Aharoni" panose="02010803020104030203" pitchFamily="2" charset="-79"/>
-              </a:rPr>
-              <a:t/>
+              <a:t>https://www.youtube.com/watch?v=DaZ0V3ukjTg</a:t>
             </a:r>
             <a:br>
-              <a:rPr lang="en-US" sz="2800" dirty="0" smtClean="0">
+              <a:rPr lang="en-US" sz="2800" dirty="0">
                 <a:latin typeface="Aharoni" panose="02010803020104030203" pitchFamily="2" charset="-79"/>
                 <a:cs typeface="Aharoni" panose="02010803020104030203" pitchFamily="2" charset="-79"/>
               </a:rPr>
@@ -3722,13 +3538,6 @@
   <p:clrMapOvr>
     <a:masterClrMapping/>
   </p:clrMapOvr>
-  <p:timing>
-    <p:tnLst>
-      <p:par>
-        <p:cTn id="1" dur="indefinite" restart="never" nodeType="tmRoot"/>
-      </p:par>
-    </p:tnLst>
-  </p:timing>
 </p:sld>
 </file>
 
@@ -3795,7 +3604,7 @@
           <a:lstStyle/>
           <a:p>
             <a:r>
-              <a:rPr lang="en-US" dirty="0" smtClean="0"/>
+              <a:rPr lang="en-US" dirty="0"/>
               <a:t>4 June 1976: performed at Lesser Free Trade Hall in Manchester.</a:t>
             </a:r>
           </a:p>
@@ -3804,25 +3613,19 @@
               <a:rPr lang="en-US" dirty="0">
                 <a:hlinkClick r:id="rId2"/>
               </a:rPr>
-              <a:t>https://</a:t>
-            </a:r>
-            <a:r>
-              <a:rPr lang="en-US" dirty="0" smtClean="0">
-                <a:hlinkClick r:id="rId2"/>
-              </a:rPr>
-              <a:t>www.youtube.com/watch?v=3bZ9yToi-JE</a:t>
-            </a:r>
-            <a:endParaRPr lang="en-US" dirty="0" smtClean="0"/>
-          </a:p>
-          <a:p>
-            <a:r>
-              <a:rPr lang="en-US" dirty="0" smtClean="0"/>
+              <a:t>https://www.youtube.com/watch?v=3bZ9yToi-JE</a:t>
+            </a:r>
+            <a:endParaRPr lang="en-US" dirty="0"/>
+          </a:p>
+          <a:p>
+            <a:r>
+              <a:rPr lang="en-US" dirty="0"/>
               <a:t>Tony Wilson (TV “So It Goes”)</a:t>
             </a:r>
           </a:p>
           <a:p>
             <a:r>
-              <a:rPr lang="en-US" dirty="0" smtClean="0"/>
+              <a:rPr lang="en-US" dirty="0"/>
               <a:t>20 July 1976, second performance:</a:t>
             </a:r>
           </a:p>
@@ -3837,55 +3640,42 @@
             </a:r>
             <a:r>
               <a:rPr lang="en-US" dirty="0"/>
-              <a:t> and Pete Shelley: T</a:t>
-            </a:r>
-            <a:r>
-              <a:rPr lang="en-US" dirty="0" smtClean="0"/>
-              <a:t>he </a:t>
-            </a:r>
-            <a:r>
-              <a:rPr lang="en-US" dirty="0" err="1" smtClean="0"/>
+              <a:t> and Pete Shelley: The </a:t>
+            </a:r>
+            <a:r>
+              <a:rPr lang="en-US" dirty="0" err="1"/>
               <a:t>Buzzcocks</a:t>
             </a:r>
             <a:r>
-              <a:rPr lang="en-US" dirty="0" smtClean="0"/>
+              <a:rPr lang="en-US" dirty="0"/>
               <a:t> </a:t>
             </a:r>
           </a:p>
           <a:p>
             <a:r>
-              <a:rPr lang="en-US" dirty="0" smtClean="0"/>
+              <a:rPr lang="en-US" dirty="0"/>
               <a:t>Peter Hook and Bernard </a:t>
             </a:r>
             <a:r>
-              <a:rPr lang="en-US" dirty="0" err="1" smtClean="0"/>
+              <a:rPr lang="en-US" dirty="0" err="1"/>
               <a:t>Sumners</a:t>
             </a:r>
             <a:r>
-              <a:rPr lang="en-US" dirty="0" smtClean="0"/>
+              <a:rPr lang="en-US" dirty="0"/>
               <a:t>: formed Warsaw, then Joy Division.</a:t>
             </a:r>
           </a:p>
           <a:p>
             <a:r>
               <a:rPr lang="en-US" dirty="0"/>
-              <a:t>Steven Patrick Morrissey: </a:t>
-            </a:r>
-            <a:r>
-              <a:rPr lang="en-US" dirty="0" smtClean="0"/>
-              <a:t>The Smiths</a:t>
-            </a:r>
-          </a:p>
-          <a:p>
-            <a:r>
-              <a:rPr lang="en-US" dirty="0"/>
-              <a:t>Mark E. Smith: </a:t>
-            </a:r>
-            <a:r>
-              <a:rPr lang="en-US" dirty="0" smtClean="0"/>
-              <a:t>The Fall</a:t>
-            </a:r>
-            <a:endParaRPr lang="en-US" dirty="0"/>
+              <a:t>Steven Patrick Morrissey: The Smiths</a:t>
+            </a:r>
+          </a:p>
+          <a:p>
+            <a:r>
+              <a:rPr lang="en-US" dirty="0"/>
+              <a:t>Mark E. Smith: The Fall</a:t>
+            </a:r>
           </a:p>
         </p:txBody>
       </p:sp>
@@ -3899,13 +3689,6 @@
   <p:clrMapOvr>
     <a:masterClrMapping/>
   </p:clrMapOvr>
-  <p:timing>
-    <p:tnLst>
-      <p:par>
-        <p:cTn id="1" dur="indefinite" restart="never" nodeType="tmRoot"/>
-      </p:par>
-    </p:tnLst>
-  </p:timing>
 </p:sld>
 </file>
 
@@ -3977,91 +3760,67 @@
           <a:lstStyle/>
           <a:p>
             <a:r>
-              <a:rPr lang="en-US" dirty="0" smtClean="0"/>
-              <a:t>26 November 1976: “Anarchy </a:t>
-            </a:r>
-            <a:r>
-              <a:rPr lang="en-US" dirty="0"/>
-              <a:t>in the UK”: </a:t>
+              <a:rPr lang="en-US" dirty="0"/>
+              <a:t>26 November 1976: “Anarchy in the UK”: </a:t>
             </a:r>
             <a:r>
               <a:rPr lang="en-US" dirty="0">
                 <a:hlinkClick r:id="rId2"/>
               </a:rPr>
-              <a:t>https://</a:t>
-            </a:r>
-            <a:r>
-              <a:rPr lang="en-US" dirty="0" smtClean="0">
-                <a:hlinkClick r:id="rId2"/>
-              </a:rPr>
-              <a:t>www.youtube.com/watch?v=cBojbjoMttI</a:t>
-            </a:r>
-            <a:endParaRPr lang="en-US" dirty="0" smtClean="0"/>
-          </a:p>
-          <a:p>
-            <a:r>
-              <a:rPr lang="en-US" dirty="0" smtClean="0"/>
+              <a:t>https://www.youtube.com/watch?v=cBojbjoMttI</a:t>
+            </a:r>
+            <a:endParaRPr lang="en-US" dirty="0"/>
+          </a:p>
+          <a:p>
+            <a:r>
+              <a:rPr lang="en-US" dirty="0"/>
               <a:t>Sid Vicious replaced Matlock, </a:t>
             </a:r>
             <a:r>
-              <a:rPr lang="en-US" smtClean="0"/>
-              <a:t>who </a:t>
-            </a:r>
-            <a:r>
-              <a:rPr lang="en-US" smtClean="0"/>
-              <a:t>liked </a:t>
-            </a:r>
-            <a:r>
-              <a:rPr lang="en-US" dirty="0" smtClean="0"/>
+              <a:rPr lang="en-US"/>
+              <a:t>who liked </a:t>
+            </a:r>
+            <a:r>
+              <a:rPr lang="en-US" dirty="0"/>
               <a:t>the Beatles and did not want to be a “fascist”.</a:t>
             </a:r>
           </a:p>
           <a:p>
             <a:r>
-              <a:rPr lang="en-US" dirty="0" smtClean="0"/>
-              <a:t>“God Save the Queen</a:t>
-            </a:r>
-            <a:r>
-              <a:rPr lang="en-US" dirty="0"/>
-              <a:t>”: </a:t>
+              <a:rPr lang="en-US" dirty="0"/>
+              <a:t>“God Save the Queen”: </a:t>
             </a:r>
             <a:r>
               <a:rPr lang="en-US" dirty="0">
                 <a:hlinkClick r:id="rId3"/>
               </a:rPr>
-              <a:t>https://</a:t>
-            </a:r>
-            <a:r>
-              <a:rPr lang="en-US" dirty="0" smtClean="0">
-                <a:hlinkClick r:id="rId3"/>
-              </a:rPr>
-              <a:t>www.youtube.com/watch?v=NQbfTAWe3no</a:t>
-            </a:r>
-            <a:endParaRPr lang="en-US" dirty="0" smtClean="0"/>
-          </a:p>
-          <a:p>
-            <a:r>
-              <a:rPr lang="en-US" dirty="0" smtClean="0"/>
+              <a:t>https://www.youtube.com/watch?v=NQbfTAWe3no</a:t>
+            </a:r>
+            <a:endParaRPr lang="en-US" dirty="0"/>
+          </a:p>
+          <a:p>
+            <a:r>
+              <a:rPr lang="en-US" dirty="0"/>
               <a:t>Record companies loved and hated them: EMI, the A&amp;M, then Virgin.</a:t>
             </a:r>
           </a:p>
           <a:p>
             <a:r>
-              <a:rPr lang="en-US" dirty="0" smtClean="0"/>
+              <a:rPr lang="en-US" dirty="0"/>
               <a:t>Virgin released </a:t>
             </a:r>
             <a:r>
-              <a:rPr lang="en-US" i="1" dirty="0" smtClean="0"/>
+              <a:rPr lang="en-US" i="1" dirty="0"/>
               <a:t>Never Mind the Bollocks- Here’s the Sex Pistols</a:t>
             </a:r>
             <a:r>
-              <a:rPr lang="en-US" dirty="0" smtClean="0"/>
+              <a:rPr lang="en-US" dirty="0"/>
               <a:t>, October 1977</a:t>
             </a:r>
           </a:p>
           <a:p>
             <a:r>
-              <a:rPr lang="en-US" dirty="0" smtClean="0"/>
+              <a:rPr lang="en-US" dirty="0"/>
               <a:t>Broke up the next year at end of USA tour in San Francisco. </a:t>
             </a:r>
           </a:p>
@@ -4080,13 +3839,6 @@
   <p:clrMapOvr>
     <a:masterClrMapping/>
   </p:clrMapOvr>
-  <p:timing>
-    <p:tnLst>
-      <p:par>
-        <p:cTn id="1" dur="indefinite" restart="never" nodeType="tmRoot"/>
-      </p:par>
-    </p:tnLst>
-  </p:timing>
 </p:sld>
 </file>
 
@@ -4128,16 +3880,12 @@
           <a:lstStyle/>
           <a:p>
             <a:r>
-              <a:rPr lang="en-US" b="1" dirty="0" smtClean="0">
+              <a:rPr lang="en-US" b="1" dirty="0">
                 <a:latin typeface="Aharoni" panose="02010803020104030203" pitchFamily="2" charset="-79"/>
                 <a:cs typeface="Aharoni" panose="02010803020104030203" pitchFamily="2" charset="-79"/>
               </a:rPr>
               <a:t>Many other bands followed</a:t>
             </a:r>
-            <a:endParaRPr lang="en-US" b="1" dirty="0">
-              <a:latin typeface="Aharoni" panose="02010803020104030203" pitchFamily="2" charset="-79"/>
-              <a:cs typeface="Aharoni" panose="02010803020104030203" pitchFamily="2" charset="-79"/>
-            </a:endParaRPr>
           </a:p>
         </p:txBody>
       </p:sp>
@@ -4164,82 +3912,62 @@
           <a:lstStyle/>
           <a:p>
             <a:r>
-              <a:rPr lang="en-US" sz="3600" dirty="0" smtClean="0"/>
+              <a:rPr lang="en-US" sz="3600" dirty="0"/>
               <a:t>The </a:t>
             </a:r>
             <a:r>
-              <a:rPr lang="en-US" sz="3600" dirty="0" err="1" smtClean="0"/>
+              <a:rPr lang="en-US" sz="3600" dirty="0" err="1"/>
               <a:t>Buzzcocks</a:t>
             </a:r>
             <a:r>
-              <a:rPr lang="en-US" sz="3600" dirty="0" smtClean="0"/>
-              <a:t>, “Boredom</a:t>
-            </a:r>
-            <a:r>
               <a:rPr lang="en-US" sz="3600" dirty="0"/>
-              <a:t>”: </a:t>
+              <a:t>, “Boredom”: </a:t>
             </a:r>
             <a:r>
               <a:rPr lang="en-US" sz="3600" dirty="0">
                 <a:hlinkClick r:id="rId2"/>
               </a:rPr>
-              <a:t>https://</a:t>
-            </a:r>
-            <a:r>
-              <a:rPr lang="en-US" sz="3600" dirty="0" smtClean="0">
-                <a:hlinkClick r:id="rId2"/>
-              </a:rPr>
-              <a:t>www.youtube.com/watch?v=BTiHp6XYm2E</a:t>
-            </a:r>
-            <a:endParaRPr lang="en-US" sz="3600" dirty="0" smtClean="0"/>
-          </a:p>
-          <a:p>
-            <a:r>
-              <a:rPr lang="en-US" sz="3600" dirty="0" smtClean="0"/>
+              <a:t>https://www.youtube.com/watch?v=BTiHp6XYm2E</a:t>
+            </a:r>
+            <a:endParaRPr lang="en-US" sz="3600" dirty="0"/>
+          </a:p>
+          <a:p>
+            <a:r>
+              <a:rPr lang="en-US" sz="3600" dirty="0"/>
               <a:t>The Damned</a:t>
             </a:r>
           </a:p>
           <a:p>
             <a:r>
-              <a:rPr lang="en-US" sz="3600" dirty="0" err="1" smtClean="0"/>
+              <a:rPr lang="en-US" sz="3600" dirty="0" err="1"/>
               <a:t>Siouxsie</a:t>
             </a:r>
             <a:r>
-              <a:rPr lang="en-US" sz="3600" dirty="0" smtClean="0"/>
+              <a:rPr lang="en-US" sz="3600" dirty="0"/>
               <a:t> and the Banshees</a:t>
             </a:r>
           </a:p>
           <a:p>
             <a:r>
-              <a:rPr lang="en-US" sz="3600" dirty="0" smtClean="0"/>
+              <a:rPr lang="en-US" sz="3600" dirty="0"/>
               <a:t>Generation X </a:t>
             </a:r>
           </a:p>
           <a:p>
             <a:r>
-              <a:rPr lang="en-US" sz="3600" dirty="0" smtClean="0"/>
-              <a:t>The Clash, </a:t>
-            </a:r>
-            <a:r>
               <a:rPr lang="en-US" sz="3600" dirty="0"/>
-              <a:t>“White Riot”: </a:t>
+              <a:t>The Clash, “White Riot”: </a:t>
             </a:r>
             <a:r>
               <a:rPr lang="en-US" sz="3600" dirty="0">
                 <a:hlinkClick r:id="rId3"/>
               </a:rPr>
-              <a:t>https://</a:t>
-            </a:r>
-            <a:r>
-              <a:rPr lang="en-US" sz="3600" dirty="0" smtClean="0">
-                <a:hlinkClick r:id="rId3"/>
-              </a:rPr>
-              <a:t>www.youtube.com/watch?v=8kEZHMP-ei8</a:t>
-            </a:r>
-            <a:endParaRPr lang="en-US" sz="3600" dirty="0" smtClean="0"/>
-          </a:p>
-          <a:p>
-            <a:endParaRPr lang="en-US" sz="3600" dirty="0" smtClean="0"/>
+              <a:t>https://www.youtube.com/watch?v=8kEZHMP-ei8</a:t>
+            </a:r>
+            <a:endParaRPr lang="en-US" sz="3600" dirty="0"/>
+          </a:p>
+          <a:p>
+            <a:endParaRPr lang="en-US" sz="3600" dirty="0"/>
           </a:p>
         </p:txBody>
       </p:sp>
@@ -4283,13 +4011,6 @@
   <p:clrMapOvr>
     <a:masterClrMapping/>
   </p:clrMapOvr>
-  <p:timing>
-    <p:tnLst>
-      <p:par>
-        <p:cTn id="1" dur="indefinite" restart="never" nodeType="tmRoot"/>
-      </p:par>
-    </p:tnLst>
-  </p:timing>
 </p:sld>
 </file>
 
@@ -4326,14 +4047,11 @@
           <a:lstStyle/>
           <a:p>
             <a:r>
-              <a:rPr lang="en-US" dirty="0" smtClean="0">
+              <a:rPr lang="en-US" dirty="0">
                 <a:latin typeface="Broadway" panose="04040905080B02020502" pitchFamily="82" charset="0"/>
               </a:rPr>
               <a:t>Some Origins of Punk</a:t>
             </a:r>
-            <a:endParaRPr lang="en-US" dirty="0">
-              <a:latin typeface="Broadway" panose="04040905080B02020502" pitchFamily="82" charset="0"/>
-            </a:endParaRPr>
           </a:p>
         </p:txBody>
       </p:sp>
@@ -4347,59 +4065,67 @@
             <p:ph idx="1"/>
           </p:nvPr>
         </p:nvSpPr>
-        <p:spPr/>
-        <p:txBody>
-          <a:bodyPr/>
-          <a:lstStyle/>
-          <a:p>
-            <a:r>
-              <a:rPr lang="en-US" dirty="0" smtClean="0"/>
+        <p:spPr>
+          <a:xfrm>
+            <a:off x="838200" y="1690688"/>
+            <a:ext cx="10405905" cy="4669710"/>
+          </a:xfrm>
+        </p:spPr>
+        <p:txBody>
+          <a:bodyPr>
+            <a:normAutofit/>
+          </a:bodyPr>
+          <a:lstStyle/>
+          <a:p>
+            <a:r>
+              <a:rPr lang="en-US" dirty="0"/>
               <a:t>Music industry: contracts, content control, distribution</a:t>
             </a:r>
           </a:p>
           <a:p>
             <a:r>
-              <a:rPr lang="en-US" dirty="0" smtClean="0"/>
+              <a:rPr lang="en-US" dirty="0"/>
               <a:t>Television</a:t>
             </a:r>
           </a:p>
           <a:p>
             <a:r>
-              <a:rPr lang="en-US" dirty="0" smtClean="0"/>
+              <a:rPr lang="en-US" dirty="0"/>
               <a:t>Mainstream, middle-class culture</a:t>
             </a:r>
           </a:p>
           <a:p>
             <a:r>
-              <a:rPr lang="en-US" dirty="0" smtClean="0"/>
+              <a:rPr lang="en-US" dirty="0"/>
+              <a:t>“Sell out” of many leading bands</a:t>
+            </a:r>
+          </a:p>
+          <a:p>
+            <a:r>
+              <a:rPr lang="en-US" dirty="0"/>
               <a:t>Rejection of musicality</a:t>
             </a:r>
           </a:p>
           <a:p>
             <a:r>
-              <a:rPr lang="en-US" dirty="0" smtClean="0"/>
+              <a:rPr lang="en-US" dirty="0"/>
               <a:t>Rejection of the establishment</a:t>
             </a:r>
           </a:p>
           <a:p>
             <a:r>
               <a:rPr lang="en-US" dirty="0"/>
-              <a:t>Rejection of well-trained </a:t>
-            </a:r>
-            <a:r>
-              <a:rPr lang="en-US" dirty="0" smtClean="0"/>
-              <a:t>musicians, of professionals</a:t>
-            </a:r>
-          </a:p>
-          <a:p>
-            <a:r>
-              <a:rPr lang="en-US" dirty="0" smtClean="0"/>
+              <a:t>Rejection of well-trained musicians, of professionals</a:t>
+            </a:r>
+          </a:p>
+          <a:p>
+            <a:r>
+              <a:rPr lang="en-US" dirty="0"/>
               <a:t>Rejection of 1960s free love, idealistic approach</a:t>
             </a:r>
+          </a:p>
+          <a:p>
             <a:endParaRPr lang="en-US" dirty="0"/>
-          </a:p>
-          <a:p>
-            <a:endParaRPr lang="en-US" dirty="0" smtClean="0"/>
           </a:p>
           <a:p>
             <a:endParaRPr lang="en-US" dirty="0"/>
@@ -4416,13 +4142,6 @@
   <p:clrMapOvr>
     <a:masterClrMapping/>
   </p:clrMapOvr>
-  <p:timing>
-    <p:tnLst>
-      <p:par>
-        <p:cTn id="1" dur="indefinite" restart="never" nodeType="tmRoot"/>
-      </p:par>
-    </p:tnLst>
-  </p:timing>
 </p:sld>
 </file>
 
@@ -4461,16 +4180,12 @@
           <a:lstStyle/>
           <a:p>
             <a:r>
-              <a:rPr lang="en-US" sz="6000" dirty="0" smtClean="0">
+              <a:rPr lang="en-US" sz="6000" dirty="0">
                 <a:latin typeface="Aharoni" panose="02010803020104030203" pitchFamily="2" charset="-79"/>
                 <a:cs typeface="Aharoni" panose="02010803020104030203" pitchFamily="2" charset="-79"/>
               </a:rPr>
               <a:t>New York Dolls, 1971-1977</a:t>
             </a:r>
-            <a:endParaRPr lang="en-US" sz="6000" dirty="0">
-              <a:latin typeface="Aharoni" panose="02010803020104030203" pitchFamily="2" charset="-79"/>
-              <a:cs typeface="Aharoni" panose="02010803020104030203" pitchFamily="2" charset="-79"/>
-            </a:endParaRPr>
           </a:p>
         </p:txBody>
       </p:sp>
@@ -4497,39 +4212,39 @@
           <a:lstStyle/>
           <a:p>
             <a:r>
-              <a:rPr lang="en-US" dirty="0" smtClean="0"/>
+              <a:rPr lang="en-US" dirty="0"/>
               <a:t>David Johansen (vocals)</a:t>
             </a:r>
           </a:p>
           <a:p>
             <a:r>
-              <a:rPr lang="en-US" dirty="0" smtClean="0"/>
+              <a:rPr lang="en-US" dirty="0"/>
               <a:t>Johnny Thunders (guitars)</a:t>
             </a:r>
           </a:p>
           <a:p>
             <a:r>
-              <a:rPr lang="en-US" dirty="0" smtClean="0"/>
+              <a:rPr lang="en-US" dirty="0"/>
               <a:t>Arthur Kane (bass)</a:t>
             </a:r>
           </a:p>
           <a:p>
             <a:r>
-              <a:rPr lang="en-US" dirty="0" smtClean="0"/>
+              <a:rPr lang="en-US" dirty="0"/>
               <a:t>Sylvain </a:t>
             </a:r>
             <a:r>
-              <a:rPr lang="en-US" dirty="0" err="1" smtClean="0"/>
+              <a:rPr lang="en-US" dirty="0" err="1"/>
               <a:t>Sylvain</a:t>
             </a:r>
             <a:r>
-              <a:rPr lang="en-US" dirty="0" smtClean="0"/>
+              <a:rPr lang="en-US" dirty="0"/>
               <a:t> (Mizrahi; guitar and keyboards)</a:t>
             </a:r>
           </a:p>
           <a:p>
             <a:r>
-              <a:rPr lang="en-US" dirty="0" smtClean="0"/>
+              <a:rPr lang="en-US" dirty="0"/>
               <a:t>Jerry Nolan (drums)</a:t>
             </a:r>
           </a:p>
@@ -4542,53 +4257,37 @@
               <a:rPr lang="en-US" dirty="0">
                 <a:hlinkClick r:id="rId2"/>
               </a:rPr>
-              <a:t>https://</a:t>
-            </a:r>
-            <a:r>
-              <a:rPr lang="en-US" dirty="0" smtClean="0">
-                <a:hlinkClick r:id="rId2"/>
-              </a:rPr>
-              <a:t>www.youtube.com/watch?v=Cbd-BcuPvLA</a:t>
-            </a:r>
-            <a:endParaRPr lang="en-US" dirty="0" smtClean="0"/>
-          </a:p>
-          <a:p>
-            <a:r>
-              <a:rPr lang="en-US" dirty="0" smtClean="0"/>
+              <a:t>https://www.youtube.com/watch?v=_Y8-CBXfzhE</a:t>
+            </a:r>
+            <a:endParaRPr lang="en-US" dirty="0"/>
+          </a:p>
+          <a:p>
+            <a:r>
+              <a:rPr lang="en-US" dirty="0"/>
               <a:t>Glam Rock?</a:t>
             </a:r>
           </a:p>
           <a:p>
             <a:r>
-              <a:rPr lang="en-US" dirty="0" smtClean="0"/>
+              <a:rPr lang="en-US" dirty="0"/>
               <a:t>Punk?</a:t>
             </a:r>
           </a:p>
           <a:p>
             <a:r>
-              <a:rPr lang="en-US" dirty="0" smtClean="0"/>
-              <a:t>“Who are the mystery </a:t>
-            </a:r>
-            <a:r>
-              <a:rPr lang="en-US" dirty="0"/>
-              <a:t>girls?”: </a:t>
+              <a:rPr lang="en-US" dirty="0"/>
+              <a:t>“Who are the mystery girls?”: </a:t>
             </a:r>
             <a:r>
               <a:rPr lang="en-US" dirty="0">
                 <a:hlinkClick r:id="rId3"/>
               </a:rPr>
-              <a:t>https://</a:t>
-            </a:r>
-            <a:r>
-              <a:rPr lang="en-US" dirty="0" smtClean="0">
-                <a:hlinkClick r:id="rId3"/>
-              </a:rPr>
-              <a:t>www.youtube.com/watch?v=N7qF3_3N50M</a:t>
-            </a:r>
-            <a:endParaRPr lang="en-US" dirty="0" smtClean="0"/>
-          </a:p>
-          <a:p>
-            <a:endParaRPr lang="en-US" dirty="0" smtClean="0"/>
+              <a:t>https://www.youtube.com/watch?v=N7qF3_3N50M</a:t>
+            </a:r>
+            <a:endParaRPr lang="en-US" dirty="0"/>
+          </a:p>
+          <a:p>
+            <a:endParaRPr lang="en-US" dirty="0"/>
           </a:p>
           <a:p>
             <a:endParaRPr lang="en-US" dirty="0"/>
@@ -4617,12 +4316,18 @@
         </p:blipFill>
         <p:spPr>
           <a:xfrm>
-            <a:off x="9133123" y="1355837"/>
-            <a:ext cx="2741557" cy="2752523"/>
+            <a:off x="8891081" y="1558344"/>
+            <a:ext cx="2973871" cy="2985766"/>
           </a:xfrm>
           <a:prstGeom prst="rect">
             <a:avLst/>
           </a:prstGeom>
+          <a:ln>
+            <a:noFill/>
+          </a:ln>
+          <a:effectLst>
+            <a:softEdge rad="112500"/>
+          </a:effectLst>
         </p:spPr>
       </p:pic>
     </p:spTree>
@@ -4635,13 +4340,6 @@
   <p:clrMapOvr>
     <a:masterClrMapping/>
   </p:clrMapOvr>
-  <p:timing>
-    <p:tnLst>
-      <p:par>
-        <p:cTn id="1" dur="indefinite" restart="never" nodeType="tmRoot"/>
-      </p:par>
-    </p:tnLst>
-  </p:timing>
 </p:sld>
 </file>
 
@@ -4678,14 +4376,11 @@
           <a:lstStyle/>
           <a:p>
             <a:r>
-              <a:rPr lang="en-US" dirty="0" smtClean="0">
+              <a:rPr lang="en-US" dirty="0">
                 <a:latin typeface="Broadway" panose="04040905080B02020502" pitchFamily="82" charset="0"/>
               </a:rPr>
               <a:t>Patti Smith and the CBGB</a:t>
             </a:r>
-            <a:endParaRPr lang="en-US" dirty="0">
-              <a:latin typeface="Broadway" panose="04040905080B02020502" pitchFamily="82" charset="0"/>
-            </a:endParaRPr>
           </a:p>
         </p:txBody>
       </p:sp>
@@ -4712,117 +4407,91 @@
           <a:lstStyle/>
           <a:p>
             <a:r>
-              <a:rPr lang="en-US" dirty="0" smtClean="0"/>
+              <a:rPr lang="en-US" dirty="0"/>
               <a:t>Patti Smith, born </a:t>
             </a:r>
             <a:r>
               <a:rPr lang="en-US" b="1" dirty="0"/>
-              <a:t>Patricia </a:t>
-            </a:r>
-            <a:r>
-              <a:rPr lang="en-US" b="1" dirty="0" smtClean="0"/>
-              <a:t>Lee</a:t>
+              <a:t>Patricia Lee</a:t>
             </a:r>
             <a:r>
               <a:rPr lang="en-US" dirty="0"/>
               <a:t> </a:t>
             </a:r>
             <a:r>
-              <a:rPr lang="en-US" b="1" dirty="0" smtClean="0"/>
+              <a:rPr lang="en-US" b="1" dirty="0"/>
               <a:t>Smith</a:t>
             </a:r>
             <a:r>
-              <a:rPr lang="en-US" dirty="0" smtClean="0"/>
+              <a:rPr lang="en-US" dirty="0"/>
               <a:t>, 30 December 1946, in Chicago.</a:t>
             </a:r>
           </a:p>
           <a:p>
             <a:r>
-              <a:rPr lang="en-US" dirty="0" smtClean="0"/>
+              <a:rPr lang="en-US" dirty="0"/>
               <a:t>Raised in working-class, bible educated household.</a:t>
             </a:r>
           </a:p>
           <a:p>
             <a:r>
-              <a:rPr lang="en-US" dirty="0" smtClean="0"/>
-              <a:t>Rejected these as a teenager; mother was Jehovah’s Witness, but gave her a classic </a:t>
-            </a:r>
-            <a:r>
-              <a:rPr lang="en-US" dirty="0"/>
-              <a:t>B</a:t>
-            </a:r>
-            <a:r>
-              <a:rPr lang="en-US" dirty="0" smtClean="0"/>
-              <a:t>ob Dylan LP.</a:t>
-            </a:r>
-          </a:p>
-          <a:p>
-            <a:r>
-              <a:rPr lang="en-US" dirty="0"/>
-              <a:t>Robert </a:t>
-            </a:r>
-            <a:r>
-              <a:rPr lang="en-US" dirty="0" smtClean="0"/>
-              <a:t>Mapplethorpe (1946-1989): photographer, lover (</a:t>
-            </a:r>
-            <a:r>
-              <a:rPr lang="en-US" i="1" dirty="0" smtClean="0"/>
+              <a:rPr lang="en-US" dirty="0"/>
+              <a:t>Rejected these as a teenager; mother was Jehovah’s Witness, but gave her a classic Bob Dylan LP.</a:t>
+            </a:r>
+          </a:p>
+          <a:p>
+            <a:r>
+              <a:rPr lang="en-US" dirty="0"/>
+              <a:t>Robert Mapplethorpe (1946-1989): photographer, lover (</a:t>
+            </a:r>
+            <a:r>
+              <a:rPr lang="en-US" i="1" dirty="0"/>
               <a:t>Just Kids</a:t>
             </a:r>
             <a:r>
-              <a:rPr lang="en-US" dirty="0" smtClean="0"/>
+              <a:rPr lang="en-US" dirty="0"/>
               <a:t>).</a:t>
             </a:r>
           </a:p>
           <a:p>
             <a:r>
-              <a:rPr lang="en-US" dirty="0" smtClean="0"/>
+              <a:rPr lang="en-US" dirty="0"/>
               <a:t>CBGB, performed long before contract</a:t>
             </a:r>
           </a:p>
           <a:p>
             <a:r>
-              <a:rPr lang="en-US" dirty="0" smtClean="0"/>
+              <a:rPr lang="en-US" dirty="0"/>
               <a:t>Debut album: </a:t>
             </a:r>
             <a:r>
-              <a:rPr lang="en-US" i="1" dirty="0" smtClean="0"/>
+              <a:rPr lang="en-US" i="1" dirty="0"/>
               <a:t>Horses</a:t>
             </a:r>
             <a:r>
-              <a:rPr lang="en-US" dirty="0" smtClean="0"/>
+              <a:rPr lang="en-US" dirty="0"/>
               <a:t> (1975)</a:t>
             </a:r>
           </a:p>
           <a:p>
             <a:r>
-              <a:rPr lang="en-US" dirty="0" err="1" smtClean="0"/>
+              <a:rPr lang="en-US" dirty="0" err="1"/>
               <a:t>Them’s</a:t>
             </a:r>
             <a:r>
-              <a:rPr lang="en-US" dirty="0" smtClean="0"/>
-              <a:t> </a:t>
-            </a:r>
-            <a:r>
-              <a:rPr lang="en-US" dirty="0"/>
-              <a:t>“Gloria”: </a:t>
+              <a:rPr lang="en-US" dirty="0"/>
+              <a:t> “Gloria”: </a:t>
             </a:r>
             <a:r>
               <a:rPr lang="en-US" dirty="0">
                 <a:hlinkClick r:id="rId2"/>
               </a:rPr>
-              <a:t>https://</a:t>
-            </a:r>
-            <a:r>
-              <a:rPr lang="en-US" dirty="0" smtClean="0">
-                <a:hlinkClick r:id="rId2"/>
-              </a:rPr>
-              <a:t>www.youtube.com/watch?v=TNQtz6Ajvfg</a:t>
-            </a:r>
-            <a:endParaRPr lang="en-US" dirty="0" smtClean="0"/>
-          </a:p>
-          <a:p>
-            <a:endParaRPr lang="en-US" dirty="0" smtClean="0"/>
+              <a:t>https://www.youtube.com/watch?v=TNQtz6Ajvfg</a:t>
+            </a:r>
+            <a:endParaRPr lang="en-US" dirty="0"/>
+          </a:p>
+          <a:p>
+            <a:endParaRPr lang="en-US" dirty="0"/>
           </a:p>
         </p:txBody>
       </p:sp>
@@ -4876,13 +4545,6 @@
   <p:clrMapOvr>
     <a:masterClrMapping/>
   </p:clrMapOvr>
-  <p:timing>
-    <p:tnLst>
-      <p:par>
-        <p:cTn id="1" dur="indefinite" restart="never" nodeType="tmRoot"/>
-      </p:par>
-    </p:tnLst>
-  </p:timing>
 </p:sld>
 </file>
 
@@ -4921,37 +4583,19 @@
           <a:lstStyle/>
           <a:p>
             <a:r>
-              <a:rPr lang="en-US" b="1" dirty="0" smtClean="0">
+              <a:rPr lang="en-US" b="1" dirty="0">
                 <a:latin typeface="Aharoni" panose="02010803020104030203" pitchFamily="2" charset="-79"/>
                 <a:cs typeface="Aharoni" panose="02010803020104030203" pitchFamily="2" charset="-79"/>
               </a:rPr>
               <a:t>CBGB OMFUG</a:t>
             </a:r>
             <a:r>
-              <a:rPr lang="en-US" dirty="0" smtClean="0">
-                <a:latin typeface="Aharoni" panose="02010803020104030203" pitchFamily="2" charset="-79"/>
-                <a:cs typeface="Aharoni" panose="02010803020104030203" pitchFamily="2" charset="-79"/>
-              </a:rPr>
-              <a:t>: Country, Blue Grass, Blues, </a:t>
-            </a:r>
-            <a:r>
               <a:rPr lang="en-US" dirty="0">
                 <a:latin typeface="Aharoni" panose="02010803020104030203" pitchFamily="2" charset="-79"/>
                 <a:cs typeface="Aharoni" panose="02010803020104030203" pitchFamily="2" charset="-79"/>
               </a:rPr>
-              <a:t>Other Music For Uplifting </a:t>
-            </a:r>
-            <a:r>
-              <a:rPr lang="en-US" dirty="0" smtClean="0">
-                <a:latin typeface="Aharoni" panose="02010803020104030203" pitchFamily="2" charset="-79"/>
-                <a:cs typeface="Aharoni" panose="02010803020104030203" pitchFamily="2" charset="-79"/>
-              </a:rPr>
-              <a:t>Gormandizers</a:t>
-            </a:r>
-            <a:endParaRPr lang="en-US" dirty="0">
-              <a:latin typeface="Aharoni" panose="02010803020104030203" pitchFamily="2" charset="-79"/>
-              <a:cs typeface="Aharoni" panose="02010803020104030203" pitchFamily="2" charset="-79"/>
-            </a:endParaRPr>
+              <a:t>: Country, Blue Grass, Blues, Other Music For Uplifting Gormandizers</a:t>
+            </a:r>
           </a:p>
         </p:txBody>
       </p:sp>
@@ -4978,66 +4622,65 @@
           <a:lstStyle/>
           <a:p>
             <a:r>
-              <a:rPr lang="en-US" dirty="0" smtClean="0"/>
+              <a:rPr lang="en-US" dirty="0"/>
               <a:t>Hilly Kristal’s Blues club</a:t>
             </a:r>
           </a:p>
           <a:p>
             <a:r>
-              <a:rPr lang="en-US" dirty="0" smtClean="0"/>
+              <a:rPr lang="en-US" dirty="0"/>
               <a:t>Center of early punk music, 1973-2006</a:t>
             </a:r>
           </a:p>
           <a:p>
             <a:r>
-              <a:rPr lang="en-US" dirty="0" smtClean="0"/>
+              <a:rPr lang="en-US" dirty="0"/>
               <a:t>Patti Smith</a:t>
             </a:r>
           </a:p>
           <a:p>
             <a:r>
-              <a:rPr lang="en-US" dirty="0" smtClean="0">
+              <a:rPr lang="en-US" dirty="0">
                 <a:hlinkClick r:id="rId2"/>
               </a:rPr>
               <a:t>Television</a:t>
             </a:r>
-            <a:endParaRPr lang="en-US" dirty="0" smtClean="0"/>
-          </a:p>
-          <a:p>
-            <a:r>
-              <a:rPr lang="en-US" dirty="0" smtClean="0"/>
+            <a:endParaRPr lang="en-US" dirty="0"/>
+          </a:p>
+          <a:p>
+            <a:r>
+              <a:rPr lang="en-US" dirty="0"/>
               <a:t>The Ramones</a:t>
             </a:r>
           </a:p>
           <a:p>
             <a:r>
-              <a:rPr lang="en-US" dirty="0" smtClean="0"/>
+              <a:rPr lang="en-US" dirty="0"/>
               <a:t>Blondie</a:t>
             </a:r>
           </a:p>
           <a:p>
             <a:r>
-              <a:rPr lang="en-US" dirty="0" smtClean="0"/>
+              <a:rPr lang="en-US" dirty="0"/>
               <a:t>Mink </a:t>
             </a:r>
             <a:r>
-              <a:rPr lang="en-US" dirty="0" err="1" smtClean="0"/>
+              <a:rPr lang="en-US" dirty="0" err="1"/>
               <a:t>DeVille</a:t>
             </a:r>
-            <a:endParaRPr lang="en-US" dirty="0" smtClean="0"/>
-          </a:p>
-          <a:p>
-            <a:r>
-              <a:rPr lang="en-US" dirty="0" smtClean="0"/>
+            <a:endParaRPr lang="en-US" dirty="0"/>
+          </a:p>
+          <a:p>
+            <a:r>
+              <a:rPr lang="en-US" dirty="0"/>
               <a:t>Talking Heads</a:t>
             </a:r>
           </a:p>
           <a:p>
             <a:r>
-              <a:rPr lang="en-US" dirty="0" smtClean="0"/>
+              <a:rPr lang="en-US" dirty="0"/>
               <a:t>Max’s Kansas City</a:t>
             </a:r>
-            <a:endParaRPr lang="en-US" dirty="0"/>
           </a:p>
         </p:txBody>
       </p:sp>
@@ -5117,13 +4760,6 @@
   <p:clrMapOvr>
     <a:masterClrMapping/>
   </p:clrMapOvr>
-  <p:timing>
-    <p:tnLst>
-      <p:par>
-        <p:cTn id="1" dur="indefinite" restart="never" nodeType="tmRoot"/>
-      </p:par>
-    </p:tnLst>
-  </p:timing>
 </p:sld>
 </file>
 
@@ -5166,19 +4802,8 @@
                 <a:latin typeface="Aharoni" panose="02010803020104030203" pitchFamily="2" charset="-79"/>
                 <a:cs typeface="Aharoni" panose="02010803020104030203" pitchFamily="2" charset="-79"/>
               </a:rPr>
-              <a:t>t</a:t>
-            </a:r>
-            <a:r>
-              <a:rPr lang="en-US" sz="7200" dirty="0" smtClean="0">
-                <a:latin typeface="Aharoni" panose="02010803020104030203" pitchFamily="2" charset="-79"/>
-                <a:cs typeface="Aharoni" panose="02010803020104030203" pitchFamily="2" charset="-79"/>
-              </a:rPr>
-              <a:t>he Ramones, 1974-1996</a:t>
-            </a:r>
-            <a:endParaRPr lang="en-US" sz="7200" dirty="0">
-              <a:latin typeface="Aharoni" panose="02010803020104030203" pitchFamily="2" charset="-79"/>
-              <a:cs typeface="Aharoni" panose="02010803020104030203" pitchFamily="2" charset="-79"/>
-            </a:endParaRPr>
+              <a:t>the Ramones, 1974-1996</a:t>
+            </a:r>
           </a:p>
         </p:txBody>
       </p:sp>
@@ -5200,39 +4825,39 @@
           <a:lstStyle/>
           <a:p>
             <a:r>
-              <a:rPr lang="en-US" dirty="0" smtClean="0"/>
+              <a:rPr lang="en-US" dirty="0"/>
               <a:t>Formed in Queens, NY; all original members attended Forest Hills High School.</a:t>
             </a:r>
           </a:p>
           <a:p>
             <a:r>
-              <a:rPr lang="en-US" dirty="0" smtClean="0"/>
+              <a:rPr lang="en-US" dirty="0"/>
               <a:t>Douglas Colvin became Dee </a:t>
             </a:r>
             <a:r>
-              <a:rPr lang="en-US" dirty="0" err="1" smtClean="0"/>
+              <a:rPr lang="en-US" dirty="0" err="1"/>
               <a:t>Dee</a:t>
             </a:r>
             <a:r>
-              <a:rPr lang="en-US" dirty="0" smtClean="0"/>
+              <a:rPr lang="en-US" dirty="0"/>
               <a:t> Ramone (after Paul McCartney): bass</a:t>
             </a:r>
           </a:p>
           <a:p>
             <a:r>
-              <a:rPr lang="en-US" dirty="0" smtClean="0"/>
+              <a:rPr lang="en-US" dirty="0"/>
               <a:t>John Cummings became Johnny Ramone: lead guitar</a:t>
             </a:r>
           </a:p>
           <a:p>
             <a:r>
-              <a:rPr lang="en-US" dirty="0" smtClean="0"/>
+              <a:rPr lang="en-US" dirty="0"/>
               <a:t>Jeffrey Hyman became Joey Ramone: drums, then guitar</a:t>
             </a:r>
           </a:p>
           <a:p>
             <a:r>
-              <a:rPr lang="en-US" dirty="0" smtClean="0"/>
+              <a:rPr lang="en-US" dirty="0"/>
               <a:t>Thomas </a:t>
             </a:r>
             <a:r>
@@ -5241,56 +4866,42 @@
             </a:r>
             <a:r>
               <a:rPr lang="en-US" dirty="0"/>
-              <a:t> </a:t>
-            </a:r>
-            <a:r>
-              <a:rPr lang="en-US" dirty="0" smtClean="0"/>
-              <a:t>became Tommy Ramone: drums</a:t>
-            </a:r>
-          </a:p>
-          <a:p>
-            <a:r>
-              <a:rPr lang="en-US" dirty="0" smtClean="0"/>
+              <a:t> became Tommy Ramone: drums</a:t>
+            </a:r>
+          </a:p>
+          <a:p>
+            <a:r>
+              <a:rPr lang="en-US" dirty="0"/>
               <a:t>Later Marc Bell became Marky Ramone: drums</a:t>
             </a:r>
           </a:p>
           <a:p>
             <a:r>
-              <a:rPr lang="en-US" dirty="0" smtClean="0"/>
+              <a:rPr lang="en-US" dirty="0"/>
               <a:t>Music was very fast and brief: </a:t>
             </a:r>
           </a:p>
           <a:p>
             <a:r>
-              <a:rPr lang="en-US" dirty="0" smtClean="0"/>
-              <a:t>Blitzkrieg </a:t>
-            </a:r>
-            <a:r>
-              <a:rPr lang="en-US" dirty="0"/>
-              <a:t>Bop: </a:t>
+              <a:rPr lang="en-US" dirty="0"/>
+              <a:t>Blitzkrieg Bop: </a:t>
             </a:r>
             <a:r>
               <a:rPr lang="en-US" dirty="0">
                 <a:hlinkClick r:id="rId2"/>
               </a:rPr>
-              <a:t>https://</a:t>
-            </a:r>
-            <a:r>
-              <a:rPr lang="en-US" dirty="0" smtClean="0">
-                <a:hlinkClick r:id="rId2"/>
-              </a:rPr>
-              <a:t>www.youtube.com/watch?v=hPp0-3Vo2uM</a:t>
-            </a:r>
-            <a:endParaRPr lang="en-US" dirty="0" smtClean="0"/>
-          </a:p>
-          <a:p>
-            <a:endParaRPr lang="en-US" dirty="0" smtClean="0"/>
-          </a:p>
-          <a:p>
-            <a:endParaRPr lang="en-US" dirty="0" smtClean="0"/>
-          </a:p>
-          <a:p>
-            <a:endParaRPr lang="en-US" dirty="0" smtClean="0"/>
+              <a:t>https://www.youtube.com/watch?v=hPp0-3Vo2uM</a:t>
+            </a:r>
+            <a:endParaRPr lang="en-US" dirty="0"/>
+          </a:p>
+          <a:p>
+            <a:endParaRPr lang="en-US" dirty="0"/>
+          </a:p>
+          <a:p>
+            <a:endParaRPr lang="en-US" dirty="0"/>
+          </a:p>
+          <a:p>
+            <a:endParaRPr lang="en-US" dirty="0"/>
           </a:p>
         </p:txBody>
       </p:sp>
@@ -5304,13 +4915,6 @@
   <p:clrMapOvr>
     <a:masterClrMapping/>
   </p:clrMapOvr>
-  <p:timing>
-    <p:tnLst>
-      <p:par>
-        <p:cTn id="1" dur="indefinite" restart="never" nodeType="tmRoot"/>
-      </p:par>
-    </p:tnLst>
-  </p:timing>
 </p:sld>
 </file>
 
@@ -5354,16 +4958,12 @@
           <a:lstStyle/>
           <a:p>
             <a:r>
-              <a:rPr lang="en-US" sz="7200" dirty="0" smtClean="0">
+              <a:rPr lang="en-US" sz="7200" dirty="0">
                 <a:latin typeface="Aharoni" panose="02010803020104030203" pitchFamily="2" charset="-79"/>
                 <a:cs typeface="Aharoni" panose="02010803020104030203" pitchFamily="2" charset="-79"/>
               </a:rPr>
               <a:t>Blondie, 1974-1982</a:t>
             </a:r>
-            <a:endParaRPr lang="en-US" sz="7200" dirty="0">
-              <a:latin typeface="Aharoni" panose="02010803020104030203" pitchFamily="2" charset="-79"/>
-              <a:cs typeface="Aharoni" panose="02010803020104030203" pitchFamily="2" charset="-79"/>
-            </a:endParaRPr>
           </a:p>
         </p:txBody>
       </p:sp>
@@ -5390,105 +4990,61 @@
           <a:lstStyle/>
           <a:p>
             <a:r>
-              <a:rPr lang="en-US" dirty="0" smtClean="0"/>
+              <a:rPr lang="en-US" dirty="0"/>
               <a:t>Deborah Harry</a:t>
             </a:r>
           </a:p>
           <a:p>
             <a:r>
-              <a:rPr lang="en-US" dirty="0" smtClean="0"/>
+              <a:rPr lang="en-US" dirty="0"/>
               <a:t>Chris Stein</a:t>
             </a:r>
           </a:p>
           <a:p>
             <a:r>
               <a:rPr lang="en-US" dirty="0"/>
-              <a:t>Femme </a:t>
-            </a:r>
-            <a:r>
-              <a:rPr lang="en-US" dirty="0" smtClean="0"/>
-              <a:t>Fatale at the CBGB: </a:t>
+              <a:t>Femme Fatale at the CBGB: </a:t>
             </a:r>
             <a:r>
               <a:rPr lang="en-US" dirty="0">
                 <a:hlinkClick r:id="rId2"/>
               </a:rPr>
-              <a:t>https://</a:t>
-            </a:r>
-            <a:r>
-              <a:rPr lang="en-US" dirty="0" smtClean="0">
-                <a:hlinkClick r:id="rId2"/>
-              </a:rPr>
-              <a:t>www.youtube.com/watch?v=p7oFoXh_95E</a:t>
-            </a:r>
-            <a:endParaRPr lang="en-US" dirty="0" smtClean="0"/>
-          </a:p>
-          <a:p>
-            <a:r>
-              <a:rPr lang="en-US" dirty="0" smtClean="0"/>
+              <a:t>https://www.youtube.com/watch?v=p7oFoXh_95E</a:t>
+            </a:r>
+            <a:endParaRPr lang="en-US" dirty="0"/>
+          </a:p>
+          <a:p>
+            <a:r>
+              <a:rPr lang="en-US" dirty="0"/>
               <a:t>First popular in Australia: “In the Flesh”</a:t>
             </a:r>
           </a:p>
           <a:p>
             <a:r>
-              <a:rPr lang="en-US" dirty="0" smtClean="0"/>
-              <a:t>UK: </a:t>
-            </a:r>
-            <a:r>
-              <a:rPr lang="en-US" dirty="0"/>
-              <a:t>"(I'm Always Touched by Your) Presence, Dear</a:t>
-            </a:r>
-            <a:r>
-              <a:rPr lang="en-US" dirty="0" smtClean="0"/>
-              <a:t>" </a:t>
-            </a:r>
-            <a:r>
-              <a:rPr lang="en-US" dirty="0"/>
-              <a:t>reached </a:t>
-            </a:r>
-            <a:r>
-              <a:rPr lang="en-US" dirty="0" smtClean="0"/>
-              <a:t>British </a:t>
-            </a:r>
-            <a:r>
-              <a:rPr lang="en-US" dirty="0"/>
-              <a:t>top </a:t>
-            </a:r>
-            <a:r>
-              <a:rPr lang="en-US" dirty="0" smtClean="0"/>
-              <a:t>ten.</a:t>
-            </a:r>
-          </a:p>
-          <a:p>
-            <a:r>
-              <a:rPr lang="en-US" dirty="0" smtClean="0"/>
+              <a:rPr lang="en-US" dirty="0"/>
+              <a:t>UK: "(I'm Always Touched by Your) Presence, Dear" reached British top ten.</a:t>
+            </a:r>
+          </a:p>
+          <a:p>
+            <a:r>
+              <a:rPr lang="en-US" dirty="0"/>
               <a:t>USA, Canada: commercial success, but not punk: Sept 1978 album </a:t>
             </a:r>
             <a:r>
-              <a:rPr lang="en-US" i="1" dirty="0" smtClean="0"/>
+              <a:rPr lang="en-US" i="1" dirty="0"/>
               <a:t>Parallel Lines</a:t>
             </a:r>
             <a:r>
-              <a:rPr lang="en-US" dirty="0" smtClean="0"/>
-              <a:t>: single “Heart of </a:t>
-            </a:r>
-            <a:r>
-              <a:rPr lang="en-US" dirty="0"/>
-              <a:t>Glass”: </a:t>
+              <a:rPr lang="en-US" dirty="0"/>
+              <a:t>: single “Heart of Glass”: </a:t>
             </a:r>
             <a:r>
               <a:rPr lang="en-US" dirty="0">
                 <a:hlinkClick r:id="rId3"/>
               </a:rPr>
-              <a:t>https://</a:t>
-            </a:r>
-            <a:r>
-              <a:rPr lang="en-US" dirty="0" smtClean="0">
-                <a:hlinkClick r:id="rId3"/>
-              </a:rPr>
-              <a:t>www.youtube.com/watch?v=AsYbMnQd6c8</a:t>
-            </a:r>
-            <a:endParaRPr lang="en-US" dirty="0" smtClean="0"/>
+              <a:t>https://www.youtube.com/watch?v=AsYbMnQd6c8</a:t>
+            </a:r>
+            <a:endParaRPr lang="en-US" dirty="0"/>
           </a:p>
           <a:p>
             <a:endParaRPr lang="en-US" dirty="0"/>
@@ -5535,13 +5091,6 @@
   <p:clrMapOvr>
     <a:masterClrMapping/>
   </p:clrMapOvr>
-  <p:timing>
-    <p:tnLst>
-      <p:par>
-        <p:cTn id="1" dur="indefinite" restart="never" nodeType="tmRoot"/>
-      </p:par>
-    </p:tnLst>
-  </p:timing>
 </p:sld>
 </file>
 
@@ -5580,16 +5129,12 @@
           <a:lstStyle/>
           <a:p>
             <a:r>
-              <a:rPr lang="en-US" sz="6600" b="1" dirty="0" smtClean="0">
+              <a:rPr lang="en-US" sz="6600" b="1" dirty="0">
                 <a:latin typeface="Aharoni" panose="02010803020104030203" pitchFamily="2" charset="-79"/>
                 <a:cs typeface="Aharoni" panose="02010803020104030203" pitchFamily="2" charset="-79"/>
               </a:rPr>
               <a:t>Talking Heads, 1975-1991</a:t>
             </a:r>
-            <a:endParaRPr lang="en-US" sz="6600" b="1" dirty="0">
-              <a:latin typeface="Aharoni" panose="02010803020104030203" pitchFamily="2" charset="-79"/>
-              <a:cs typeface="Aharoni" panose="02010803020104030203" pitchFamily="2" charset="-79"/>
-            </a:endParaRPr>
           </a:p>
         </p:txBody>
       </p:sp>
@@ -5616,91 +5161,80 @@
           <a:lstStyle/>
           <a:p>
             <a:r>
-              <a:rPr lang="en-US" dirty="0" smtClean="0"/>
+              <a:rPr lang="en-US" dirty="0"/>
               <a:t>Met at Rhode Island School of Design</a:t>
             </a:r>
           </a:p>
           <a:p>
             <a:r>
-              <a:rPr lang="en-US" dirty="0" smtClean="0"/>
+              <a:rPr lang="en-US" dirty="0"/>
               <a:t>David Byrne (guitar, vocals)</a:t>
             </a:r>
           </a:p>
           <a:p>
             <a:r>
-              <a:rPr lang="en-US" dirty="0" smtClean="0"/>
+              <a:rPr lang="en-US" dirty="0"/>
               <a:t>Tina Weymouth (transportation, emotional support, and then bass guitar)</a:t>
             </a:r>
           </a:p>
           <a:p>
             <a:r>
-              <a:rPr lang="en-US" dirty="0" smtClean="0"/>
+              <a:rPr lang="en-US" dirty="0"/>
               <a:t>Chris Frantz (drums)</a:t>
             </a:r>
           </a:p>
           <a:p>
             <a:r>
-              <a:rPr lang="en-US" dirty="0" smtClean="0"/>
+              <a:rPr lang="en-US" dirty="0"/>
               <a:t>Jerry Harrison (guitar, keyboards)</a:t>
             </a:r>
           </a:p>
           <a:p>
             <a:r>
-              <a:rPr lang="en-US" dirty="0" smtClean="0"/>
+              <a:rPr lang="en-US" dirty="0"/>
               <a:t>Punk, art rock, funk, dance, post punk, new wave, but always avant-garde.</a:t>
             </a:r>
           </a:p>
           <a:p>
             <a:r>
-              <a:rPr lang="en-US" dirty="0" smtClean="0"/>
-              <a:t>First big hit: “Psycho Killer” (1975</a:t>
-            </a:r>
-            <a:r>
-              <a:rPr lang="en-US" dirty="0"/>
-              <a:t>, released 1977): </a:t>
+              <a:rPr lang="en-US" dirty="0"/>
+              <a:t>First big hit: “Psycho Killer” (1975, released 1977): </a:t>
             </a:r>
             <a:r>
               <a:rPr lang="en-US" dirty="0">
                 <a:hlinkClick r:id="rId2"/>
               </a:rPr>
-              <a:t>https://</a:t>
-            </a:r>
-            <a:r>
-              <a:rPr lang="en-US" dirty="0" smtClean="0">
-                <a:hlinkClick r:id="rId2"/>
-              </a:rPr>
-              <a:t>www.youtube.com/watch?v=xNGutllSRsA</a:t>
-            </a:r>
-            <a:endParaRPr lang="en-US" dirty="0" smtClean="0"/>
-          </a:p>
-          <a:p>
-            <a:r>
-              <a:rPr lang="en-US" dirty="0" smtClean="0"/>
+              <a:t>https://www.youtube.com/watch?v=xNGutllSRsA</a:t>
+            </a:r>
+            <a:endParaRPr lang="en-US" dirty="0"/>
+          </a:p>
+          <a:p>
+            <a:r>
+              <a:rPr lang="en-US" dirty="0"/>
               <a:t>Martin </a:t>
             </a:r>
             <a:r>
-              <a:rPr lang="en-US" dirty="0" err="1" smtClean="0"/>
+              <a:rPr lang="en-US" dirty="0" err="1"/>
               <a:t>Scorcese’s</a:t>
             </a:r>
             <a:r>
-              <a:rPr lang="en-US" dirty="0" smtClean="0"/>
+              <a:rPr lang="en-US" dirty="0"/>
               <a:t> film </a:t>
             </a:r>
             <a:r>
-              <a:rPr lang="en-US" i="1" dirty="0" smtClean="0"/>
+              <a:rPr lang="en-US" i="1" dirty="0"/>
               <a:t>Taxi Driver</a:t>
             </a:r>
             <a:r>
-              <a:rPr lang="en-US" dirty="0" smtClean="0"/>
+              <a:rPr lang="en-US" dirty="0"/>
               <a:t> (1976)</a:t>
             </a:r>
           </a:p>
           <a:p>
             <a:r>
-              <a:rPr lang="en-US" dirty="0" smtClean="0"/>
+              <a:rPr lang="en-US" dirty="0"/>
               <a:t>“Son of Sam” killer terrorized NYC.</a:t>
             </a:r>
-            <a:endParaRPr lang="en-US" dirty="0"/>
           </a:p>
         </p:txBody>
       </p:sp>
@@ -5714,13 +5248,6 @@
   <p:clrMapOvr>
     <a:masterClrMapping/>
   </p:clrMapOvr>
-  <p:timing>
-    <p:tnLst>
-      <p:par>
-        <p:cTn id="1" dur="indefinite" restart="never" nodeType="tmRoot"/>
-      </p:par>
-    </p:tnLst>
-  </p:timing>
 </p:sld>
 </file>
 
@@ -5764,16 +5291,12 @@
           <a:lstStyle/>
           <a:p>
             <a:r>
-              <a:rPr lang="en-US" sz="6000" i="1" dirty="0" smtClean="0">
+              <a:rPr lang="en-US" sz="6000" i="1" dirty="0">
                 <a:latin typeface="Aharoni" panose="02010803020104030203" pitchFamily="2" charset="-79"/>
                 <a:cs typeface="Aharoni" panose="02010803020104030203" pitchFamily="2" charset="-79"/>
               </a:rPr>
               <a:t>Punk Rock, the British Variety</a:t>
             </a:r>
-            <a:endParaRPr lang="en-US" sz="6000" i="1" dirty="0">
-              <a:latin typeface="Aharoni" panose="02010803020104030203" pitchFamily="2" charset="-79"/>
-              <a:cs typeface="Aharoni" panose="02010803020104030203" pitchFamily="2" charset="-79"/>
-            </a:endParaRPr>
           </a:p>
         </p:txBody>
       </p:sp>
@@ -5798,90 +5321,65 @@
           <a:lstStyle/>
           <a:p>
             <a:r>
-              <a:rPr lang="en-US" dirty="0" smtClean="0"/>
+              <a:rPr lang="en-US" dirty="0"/>
               <a:t>Old England was dying (</a:t>
             </a:r>
             <a:r>
-              <a:rPr lang="en-US" dirty="0" err="1" smtClean="0"/>
+              <a:rPr lang="en-US" dirty="0" err="1"/>
               <a:t>Waterboys</a:t>
             </a:r>
             <a:r>
-              <a:rPr lang="en-US" dirty="0" smtClean="0"/>
+              <a:rPr lang="en-US" dirty="0"/>
               <a:t>, “Old England”, 1985)</a:t>
             </a:r>
           </a:p>
           <a:p>
             <a:r>
-              <a:rPr lang="en-US" dirty="0" smtClean="0"/>
-              <a:t>1974-1977: unemployment </a:t>
-            </a:r>
-            <a:r>
-              <a:rPr lang="en-US" dirty="0" smtClean="0"/>
-              <a:t>3.4-</a:t>
-            </a:r>
-            <a:r>
-              <a:rPr lang="en-US" dirty="0" smtClean="0"/>
-              <a:t>6</a:t>
-            </a:r>
-            <a:r>
-              <a:rPr lang="en-US" dirty="0" smtClean="0"/>
-              <a:t>%, grew by 200% amongst youths.</a:t>
-            </a:r>
-          </a:p>
-          <a:p>
-            <a:r>
-              <a:rPr lang="en-US" dirty="0" smtClean="0"/>
+              <a:rPr lang="en-US" dirty="0"/>
+              <a:t>1974-1977: unemployment 3.4-6%, grew by 200% amongst youths.</a:t>
+            </a:r>
+          </a:p>
+          <a:p>
+            <a:r>
+              <a:rPr lang="en-US" dirty="0"/>
               <a:t>1976: inflation rate of 22.7%</a:t>
             </a:r>
           </a:p>
           <a:p>
             <a:r>
-              <a:rPr lang="en-US" dirty="0" smtClean="0"/>
+              <a:rPr lang="en-US" dirty="0"/>
               <a:t>1977: inflation rate of 16.7%</a:t>
             </a:r>
           </a:p>
           <a:p>
             <a:r>
-              <a:rPr lang="en-US" dirty="0" smtClean="0"/>
-              <a:t>1976: UK government applied and </a:t>
-            </a:r>
-            <a:r>
-              <a:rPr lang="en-US" dirty="0" smtClean="0"/>
-              <a:t>received a </a:t>
-            </a:r>
-            <a:r>
-              <a:rPr lang="en-US" dirty="0" smtClean="0"/>
-              <a:t>3.6 billion pound loan from IMF.</a:t>
-            </a:r>
-          </a:p>
-          <a:p>
-            <a:r>
-              <a:rPr lang="en-US" dirty="0" smtClean="0"/>
-              <a:t>Dying </a:t>
-            </a:r>
-            <a:r>
-              <a:rPr lang="en-US" dirty="0" smtClean="0"/>
-              <a:t>empire: de-colonization</a:t>
-            </a:r>
-            <a:endParaRPr lang="en-US" dirty="0" smtClean="0"/>
-          </a:p>
-          <a:p>
-            <a:r>
-              <a:rPr lang="en-US" dirty="0" smtClean="0"/>
+              <a:rPr lang="en-US" dirty="0"/>
+              <a:t>1976: UK government applied and received a 3.6 billion pound loan from IMF.</a:t>
+            </a:r>
+          </a:p>
+          <a:p>
+            <a:r>
+              <a:rPr lang="en-US" dirty="0"/>
+              <a:t>Dying empire: de-colonization</a:t>
+            </a:r>
+          </a:p>
+          <a:p>
+            <a:r>
+              <a:rPr lang="en-US" dirty="0"/>
               <a:t>Youth unemployment</a:t>
             </a:r>
           </a:p>
           <a:p>
             <a:r>
-              <a:rPr lang="en-US" dirty="0" smtClean="0"/>
+              <a:rPr lang="en-US" dirty="0"/>
               <a:t>High inflation</a:t>
             </a:r>
           </a:p>
           <a:p>
-            <a:endParaRPr lang="en-US" dirty="0" smtClean="0"/>
-          </a:p>
-          <a:p>
-            <a:endParaRPr lang="en-US" dirty="0" smtClean="0"/>
+            <a:endParaRPr lang="en-US" dirty="0"/>
+          </a:p>
+          <a:p>
+            <a:endParaRPr lang="en-US" dirty="0"/>
           </a:p>
         </p:txBody>
       </p:sp>
@@ -5895,13 +5393,6 @@
   <p:clrMapOvr>
     <a:masterClrMapping/>
   </p:clrMapOvr>
-  <p:timing>
-    <p:tnLst>
-      <p:par>
-        <p:cTn id="1" dur="indefinite" restart="never" nodeType="tmRoot"/>
-      </p:par>
-    </p:tnLst>
-  </p:timing>
 </p:sld>
 </file>
 

--- a/HSTR121/ppts/PunkRock.pptx
+++ b/HSTR121/ppts/PunkRock.pptx
@@ -256,7 +256,7 @@
           <a:p>
             <a:fld id="{802CF8DB-62E5-41AE-946A-AEF6F789F692}" type="datetimeFigureOut">
               <a:rPr lang="en-US" smtClean="0"/>
-              <a:t>3/15/18</a:t>
+              <a:t>3/19/18</a:t>
             </a:fld>
             <a:endParaRPr lang="en-US"/>
           </a:p>
@@ -424,7 +424,7 @@
           <a:p>
             <a:fld id="{802CF8DB-62E5-41AE-946A-AEF6F789F692}" type="datetimeFigureOut">
               <a:rPr lang="en-US" smtClean="0"/>
-              <a:t>3/15/18</a:t>
+              <a:t>3/19/18</a:t>
             </a:fld>
             <a:endParaRPr lang="en-US"/>
           </a:p>
@@ -602,7 +602,7 @@
           <a:p>
             <a:fld id="{802CF8DB-62E5-41AE-946A-AEF6F789F692}" type="datetimeFigureOut">
               <a:rPr lang="en-US" smtClean="0"/>
-              <a:t>3/15/18</a:t>
+              <a:t>3/19/18</a:t>
             </a:fld>
             <a:endParaRPr lang="en-US"/>
           </a:p>
@@ -770,7 +770,7 @@
           <a:p>
             <a:fld id="{802CF8DB-62E5-41AE-946A-AEF6F789F692}" type="datetimeFigureOut">
               <a:rPr lang="en-US" smtClean="0"/>
-              <a:t>3/15/18</a:t>
+              <a:t>3/19/18</a:t>
             </a:fld>
             <a:endParaRPr lang="en-US"/>
           </a:p>
@@ -1015,7 +1015,7 @@
           <a:p>
             <a:fld id="{802CF8DB-62E5-41AE-946A-AEF6F789F692}" type="datetimeFigureOut">
               <a:rPr lang="en-US" smtClean="0"/>
-              <a:t>3/15/18</a:t>
+              <a:t>3/19/18</a:t>
             </a:fld>
             <a:endParaRPr lang="en-US"/>
           </a:p>
@@ -1244,7 +1244,7 @@
           <a:p>
             <a:fld id="{802CF8DB-62E5-41AE-946A-AEF6F789F692}" type="datetimeFigureOut">
               <a:rPr lang="en-US" smtClean="0"/>
-              <a:t>3/15/18</a:t>
+              <a:t>3/19/18</a:t>
             </a:fld>
             <a:endParaRPr lang="en-US"/>
           </a:p>
@@ -1608,7 +1608,7 @@
           <a:p>
             <a:fld id="{802CF8DB-62E5-41AE-946A-AEF6F789F692}" type="datetimeFigureOut">
               <a:rPr lang="en-US" smtClean="0"/>
-              <a:t>3/15/18</a:t>
+              <a:t>3/19/18</a:t>
             </a:fld>
             <a:endParaRPr lang="en-US"/>
           </a:p>
@@ -1725,7 +1725,7 @@
           <a:p>
             <a:fld id="{802CF8DB-62E5-41AE-946A-AEF6F789F692}" type="datetimeFigureOut">
               <a:rPr lang="en-US" smtClean="0"/>
-              <a:t>3/15/18</a:t>
+              <a:t>3/19/18</a:t>
             </a:fld>
             <a:endParaRPr lang="en-US"/>
           </a:p>
@@ -1820,7 +1820,7 @@
           <a:p>
             <a:fld id="{802CF8DB-62E5-41AE-946A-AEF6F789F692}" type="datetimeFigureOut">
               <a:rPr lang="en-US" smtClean="0"/>
-              <a:t>3/15/18</a:t>
+              <a:t>3/19/18</a:t>
             </a:fld>
             <a:endParaRPr lang="en-US"/>
           </a:p>
@@ -2095,7 +2095,7 @@
           <a:p>
             <a:fld id="{802CF8DB-62E5-41AE-946A-AEF6F789F692}" type="datetimeFigureOut">
               <a:rPr lang="en-US" smtClean="0"/>
-              <a:t>3/15/18</a:t>
+              <a:t>3/19/18</a:t>
             </a:fld>
             <a:endParaRPr lang="en-US"/>
           </a:p>
@@ -2347,7 +2347,7 @@
           <a:p>
             <a:fld id="{802CF8DB-62E5-41AE-946A-AEF6F789F692}" type="datetimeFigureOut">
               <a:rPr lang="en-US" smtClean="0"/>
-              <a:t>3/15/18</a:t>
+              <a:t>3/19/18</a:t>
             </a:fld>
             <a:endParaRPr lang="en-US"/>
           </a:p>
@@ -2568,7 +2568,7 @@
           <a:p>
             <a:fld id="{802CF8DB-62E5-41AE-946A-AEF6F789F692}" type="datetimeFigureOut">
               <a:rPr lang="en-US" smtClean="0"/>
-              <a:t>3/15/18</a:t>
+              <a:t>3/19/18</a:t>
             </a:fld>
             <a:endParaRPr lang="en-US"/>
           </a:p>
@@ -5336,7 +5336,7 @@
           <a:p>
             <a:r>
               <a:rPr lang="en-US" dirty="0"/>
-              <a:t>1974-1977: unemployment 3.4-6%, grew by 200% amongst youths.</a:t>
+              <a:t>1974-1977: unemployment from 3.4 to 6%, grew by 200% amongst youths.</a:t>
             </a:r>
           </a:p>
           <a:p>

--- a/HSTR121/ppts/PunkRock.pptx
+++ b/HSTR121/ppts/PunkRock.pptx
@@ -256,7 +256,7 @@
           <a:p>
             <a:fld id="{802CF8DB-62E5-41AE-946A-AEF6F789F692}" type="datetimeFigureOut">
               <a:rPr lang="en-US" smtClean="0"/>
-              <a:t>3/19/18</a:t>
+              <a:t>3/21/18</a:t>
             </a:fld>
             <a:endParaRPr lang="en-US"/>
           </a:p>
@@ -424,7 +424,7 @@
           <a:p>
             <a:fld id="{802CF8DB-62E5-41AE-946A-AEF6F789F692}" type="datetimeFigureOut">
               <a:rPr lang="en-US" smtClean="0"/>
-              <a:t>3/19/18</a:t>
+              <a:t>3/21/18</a:t>
             </a:fld>
             <a:endParaRPr lang="en-US"/>
           </a:p>
@@ -602,7 +602,7 @@
           <a:p>
             <a:fld id="{802CF8DB-62E5-41AE-946A-AEF6F789F692}" type="datetimeFigureOut">
               <a:rPr lang="en-US" smtClean="0"/>
-              <a:t>3/19/18</a:t>
+              <a:t>3/21/18</a:t>
             </a:fld>
             <a:endParaRPr lang="en-US"/>
           </a:p>
@@ -770,7 +770,7 @@
           <a:p>
             <a:fld id="{802CF8DB-62E5-41AE-946A-AEF6F789F692}" type="datetimeFigureOut">
               <a:rPr lang="en-US" smtClean="0"/>
-              <a:t>3/19/18</a:t>
+              <a:t>3/21/18</a:t>
             </a:fld>
             <a:endParaRPr lang="en-US"/>
           </a:p>
@@ -1015,7 +1015,7 @@
           <a:p>
             <a:fld id="{802CF8DB-62E5-41AE-946A-AEF6F789F692}" type="datetimeFigureOut">
               <a:rPr lang="en-US" smtClean="0"/>
-              <a:t>3/19/18</a:t>
+              <a:t>3/21/18</a:t>
             </a:fld>
             <a:endParaRPr lang="en-US"/>
           </a:p>
@@ -1244,7 +1244,7 @@
           <a:p>
             <a:fld id="{802CF8DB-62E5-41AE-946A-AEF6F789F692}" type="datetimeFigureOut">
               <a:rPr lang="en-US" smtClean="0"/>
-              <a:t>3/19/18</a:t>
+              <a:t>3/21/18</a:t>
             </a:fld>
             <a:endParaRPr lang="en-US"/>
           </a:p>
@@ -1608,7 +1608,7 @@
           <a:p>
             <a:fld id="{802CF8DB-62E5-41AE-946A-AEF6F789F692}" type="datetimeFigureOut">
               <a:rPr lang="en-US" smtClean="0"/>
-              <a:t>3/19/18</a:t>
+              <a:t>3/21/18</a:t>
             </a:fld>
             <a:endParaRPr lang="en-US"/>
           </a:p>
@@ -1725,7 +1725,7 @@
           <a:p>
             <a:fld id="{802CF8DB-62E5-41AE-946A-AEF6F789F692}" type="datetimeFigureOut">
               <a:rPr lang="en-US" smtClean="0"/>
-              <a:t>3/19/18</a:t>
+              <a:t>3/21/18</a:t>
             </a:fld>
             <a:endParaRPr lang="en-US"/>
           </a:p>
@@ -1820,7 +1820,7 @@
           <a:p>
             <a:fld id="{802CF8DB-62E5-41AE-946A-AEF6F789F692}" type="datetimeFigureOut">
               <a:rPr lang="en-US" smtClean="0"/>
-              <a:t>3/19/18</a:t>
+              <a:t>3/21/18</a:t>
             </a:fld>
             <a:endParaRPr lang="en-US"/>
           </a:p>
@@ -2095,7 +2095,7 @@
           <a:p>
             <a:fld id="{802CF8DB-62E5-41AE-946A-AEF6F789F692}" type="datetimeFigureOut">
               <a:rPr lang="en-US" smtClean="0"/>
-              <a:t>3/19/18</a:t>
+              <a:t>3/21/18</a:t>
             </a:fld>
             <a:endParaRPr lang="en-US"/>
           </a:p>
@@ -2347,7 +2347,7 @@
           <a:p>
             <a:fld id="{802CF8DB-62E5-41AE-946A-AEF6F789F692}" type="datetimeFigureOut">
               <a:rPr lang="en-US" smtClean="0"/>
-              <a:t>3/19/18</a:t>
+              <a:t>3/21/18</a:t>
             </a:fld>
             <a:endParaRPr lang="en-US"/>
           </a:p>
@@ -2568,7 +2568,7 @@
           <a:p>
             <a:fld id="{802CF8DB-62E5-41AE-946A-AEF6F789F692}" type="datetimeFigureOut">
               <a:rPr lang="en-US" smtClean="0"/>
-              <a:t>3/19/18</a:t>
+              <a:t>3/21/18</a:t>
             </a:fld>
             <a:endParaRPr lang="en-US"/>
           </a:p>
@@ -3482,9 +3482,36 @@
               <a:rPr lang="en-US" sz="2800" dirty="0">
                 <a:latin typeface="Aharoni" panose="02010803020104030203" pitchFamily="2" charset="-79"/>
                 <a:cs typeface="Aharoni" panose="02010803020104030203" pitchFamily="2" charset="-79"/>
-                <a:hlinkClick r:id="rId2"/>
               </a:rPr>
-              <a:t>https://www.youtube.com/watch?v=DaZ0V3ukjTg</a:t>
+              <a:t>https://</a:t>
+            </a:r>
+            <a:r>
+              <a:rPr lang="en-US" sz="2800" dirty="0" err="1">
+                <a:latin typeface="Aharoni" panose="02010803020104030203" pitchFamily="2" charset="-79"/>
+                <a:cs typeface="Aharoni" panose="02010803020104030203" pitchFamily="2" charset="-79"/>
+              </a:rPr>
+              <a:t>www.youtube.com</a:t>
+            </a:r>
+            <a:r>
+              <a:rPr lang="en-US" sz="2800" dirty="0">
+                <a:latin typeface="Aharoni" panose="02010803020104030203" pitchFamily="2" charset="-79"/>
+                <a:cs typeface="Aharoni" panose="02010803020104030203" pitchFamily="2" charset="-79"/>
+              </a:rPr>
+              <a:t>/</a:t>
+            </a:r>
+            <a:r>
+              <a:rPr lang="en-US" sz="2800" dirty="0" err="1">
+                <a:latin typeface="Aharoni" panose="02010803020104030203" pitchFamily="2" charset="-79"/>
+                <a:cs typeface="Aharoni" panose="02010803020104030203" pitchFamily="2" charset="-79"/>
+              </a:rPr>
+              <a:t>watch?v</a:t>
+            </a:r>
+            <a:r>
+              <a:rPr lang="en-US" sz="2800" dirty="0">
+                <a:latin typeface="Aharoni" panose="02010803020104030203" pitchFamily="2" charset="-79"/>
+                <a:cs typeface="Aharoni" panose="02010803020104030203" pitchFamily="2" charset="-79"/>
+              </a:rPr>
+              <a:t>=xqbXqYdafi8</a:t>
             </a:r>
             <a:br>
               <a:rPr lang="en-US" sz="2800" dirty="0">
@@ -3510,7 +3537,7 @@
           </p:nvPr>
         </p:nvPicPr>
         <p:blipFill>
-          <a:blip r:embed="rId3">
+          <a:blip r:embed="rId2">
             <a:extLst>
               <a:ext uri="{28A0092B-C50C-407E-A947-70E740481C1C}">
                 <a14:useLocalDpi xmlns:a14="http://schemas.microsoft.com/office/drawing/2010/main" val="0"/>
@@ -3599,7 +3626,7 @@
         <p:spPr/>
         <p:txBody>
           <a:bodyPr>
-            <a:normAutofit/>
+            <a:normAutofit lnSpcReduction="10000"/>
           </a:bodyPr>
           <a:lstStyle/>
           <a:p>
@@ -3620,8 +3647,17 @@
           <a:p>
             <a:r>
               <a:rPr lang="en-US" dirty="0"/>
-              <a:t>Tony Wilson (TV “So It Goes”)</a:t>
-            </a:r>
+              <a:t>Tony Wilson (TV “So It Goes”):</a:t>
+            </a:r>
+          </a:p>
+          <a:p>
+            <a:r>
+              <a:rPr lang="en-US" dirty="0">
+                <a:hlinkClick r:id="rId3"/>
+              </a:rPr>
+              <a:t>https://www.youtube.com/watch?v=rrjcsMidMNY</a:t>
+            </a:r>
+            <a:endParaRPr lang="en-US" dirty="0"/>
           </a:p>
           <a:p>
             <a:r>
@@ -3774,15 +3810,7 @@
           <a:p>
             <a:r>
               <a:rPr lang="en-US" dirty="0"/>
-              <a:t>Sid Vicious replaced Matlock, </a:t>
-            </a:r>
-            <a:r>
-              <a:rPr lang="en-US"/>
-              <a:t>who liked </a:t>
-            </a:r>
-            <a:r>
-              <a:rPr lang="en-US" dirty="0"/>
-              <a:t>the Beatles and did not want to be a “fascist”.</a:t>
+              <a:t>Sid Vicious replaced Matlock, who liked the Beatles and did not want to be a “fascist”.</a:t>
             </a:r>
           </a:p>
           <a:p>
